--- a/docs/diagrams/LogicComponentSequenceDiagram.pptx
+++ b/docs/diagrams/LogicComponentSequenceDiagram.pptx
@@ -8,7 +8,7 @@
     <p:notesMasterId r:id="rId3"/>
   </p:notesMasterIdLst>
   <p:sldIdLst>
-    <p:sldId id="267" r:id="rId2"/>
+    <p:sldId id="256" r:id="rId2"/>
   </p:sldIdLst>
   <p:sldSz cx="9144000" cy="6858000" type="screen4x3"/>
   <p:notesSz cx="6858000" cy="9144000"/>
@@ -126,10 +126,6 @@
 </p:presentation>
 </file>
 
-<file path=ppt/revisionInfo.xml><?xml version="1.0" encoding="utf-8"?>
-<p1510:revInfo xmlns:a="http://schemas.openxmlformats.org/drawingml/2006/main" xmlns:r="http://schemas.openxmlformats.org/officeDocument/2006/relationships" xmlns:p1510="http://schemas.microsoft.com/office/powerpoint/2015/10/main"/>
-</file>
-
 <file path=ppt/notesMasters/notesMaster1.xml><?xml version="1.0" encoding="utf-8"?>
 <p:notesMaster xmlns:a="http://schemas.openxmlformats.org/drawingml/2006/main" xmlns:r="http://schemas.openxmlformats.org/officeDocument/2006/relationships" xmlns:p="http://schemas.openxmlformats.org/presentationml/2006/main">
   <p:cSld>
@@ -212,7 +208,7 @@
           <a:p>
             <a:fld id="{F5CC4B3F-88C1-4FFA-B1B6-F41C21DC6924}" type="datetimeFigureOut">
               <a:rPr lang="en-US" smtClean="0"/>
-              <a:t>7/11/2017</a:t>
+              <a:t>11/5/2018</a:t>
             </a:fld>
             <a:endParaRPr lang="en-US"/>
           </a:p>
@@ -658,7 +654,7 @@
           <a:p>
             <a:fld id="{78C97017-6FC3-485B-9764-EAC9E56C1D49}" type="datetimeFigureOut">
               <a:rPr lang="en-US" smtClean="0"/>
-              <a:t>7/11/2017</a:t>
+              <a:t>11/5/2018</a:t>
             </a:fld>
             <a:endParaRPr lang="en-US"/>
           </a:p>
@@ -826,7 +822,7 @@
           <a:p>
             <a:fld id="{78C97017-6FC3-485B-9764-EAC9E56C1D49}" type="datetimeFigureOut">
               <a:rPr lang="en-US" smtClean="0"/>
-              <a:t>7/11/2017</a:t>
+              <a:t>11/5/2018</a:t>
             </a:fld>
             <a:endParaRPr lang="en-US"/>
           </a:p>
@@ -1004,7 +1000,7 @@
           <a:p>
             <a:fld id="{78C97017-6FC3-485B-9764-EAC9E56C1D49}" type="datetimeFigureOut">
               <a:rPr lang="en-US" smtClean="0"/>
-              <a:t>7/11/2017</a:t>
+              <a:t>11/5/2018</a:t>
             </a:fld>
             <a:endParaRPr lang="en-US"/>
           </a:p>
@@ -1172,7 +1168,7 @@
           <a:p>
             <a:fld id="{78C97017-6FC3-485B-9764-EAC9E56C1D49}" type="datetimeFigureOut">
               <a:rPr lang="en-US" smtClean="0"/>
-              <a:t>7/11/2017</a:t>
+              <a:t>11/5/2018</a:t>
             </a:fld>
             <a:endParaRPr lang="en-US"/>
           </a:p>
@@ -1417,7 +1413,7 @@
           <a:p>
             <a:fld id="{78C97017-6FC3-485B-9764-EAC9E56C1D49}" type="datetimeFigureOut">
               <a:rPr lang="en-US" smtClean="0"/>
-              <a:t>7/11/2017</a:t>
+              <a:t>11/5/2018</a:t>
             </a:fld>
             <a:endParaRPr lang="en-US"/>
           </a:p>
@@ -1702,7 +1698,7 @@
           <a:p>
             <a:fld id="{78C97017-6FC3-485B-9764-EAC9E56C1D49}" type="datetimeFigureOut">
               <a:rPr lang="en-US" smtClean="0"/>
-              <a:t>7/11/2017</a:t>
+              <a:t>11/5/2018</a:t>
             </a:fld>
             <a:endParaRPr lang="en-US"/>
           </a:p>
@@ -2121,7 +2117,7 @@
           <a:p>
             <a:fld id="{78C97017-6FC3-485B-9764-EAC9E56C1D49}" type="datetimeFigureOut">
               <a:rPr lang="en-US" smtClean="0"/>
-              <a:t>7/11/2017</a:t>
+              <a:t>11/5/2018</a:t>
             </a:fld>
             <a:endParaRPr lang="en-US"/>
           </a:p>
@@ -2238,7 +2234,7 @@
           <a:p>
             <a:fld id="{78C97017-6FC3-485B-9764-EAC9E56C1D49}" type="datetimeFigureOut">
               <a:rPr lang="en-US" smtClean="0"/>
-              <a:t>7/11/2017</a:t>
+              <a:t>11/5/2018</a:t>
             </a:fld>
             <a:endParaRPr lang="en-US"/>
           </a:p>
@@ -2333,7 +2329,7 @@
           <a:p>
             <a:fld id="{78C97017-6FC3-485B-9764-EAC9E56C1D49}" type="datetimeFigureOut">
               <a:rPr lang="en-US" smtClean="0"/>
-              <a:t>7/11/2017</a:t>
+              <a:t>11/5/2018</a:t>
             </a:fld>
             <a:endParaRPr lang="en-US"/>
           </a:p>
@@ -2608,7 +2604,7 @@
           <a:p>
             <a:fld id="{78C97017-6FC3-485B-9764-EAC9E56C1D49}" type="datetimeFigureOut">
               <a:rPr lang="en-US" smtClean="0"/>
-              <a:t>7/11/2017</a:t>
+              <a:t>11/5/2018</a:t>
             </a:fld>
             <a:endParaRPr lang="en-US"/>
           </a:p>
@@ -2860,7 +2856,7 @@
           <a:p>
             <a:fld id="{78C97017-6FC3-485B-9764-EAC9E56C1D49}" type="datetimeFigureOut">
               <a:rPr lang="en-US" smtClean="0"/>
-              <a:t>7/11/2017</a:t>
+              <a:t>11/5/2018</a:t>
             </a:fld>
             <a:endParaRPr lang="en-US"/>
           </a:p>
@@ -3071,7 +3067,7 @@
           <a:p>
             <a:fld id="{78C97017-6FC3-485B-9764-EAC9E56C1D49}" type="datetimeFigureOut">
               <a:rPr lang="en-US" smtClean="0"/>
-              <a:t>7/11/2017</a:t>
+              <a:t>11/5/2018</a:t>
             </a:fld>
             <a:endParaRPr lang="en-US"/>
           </a:p>
@@ -3448,14 +3444,20 @@
       </p:grpSpPr>
       <p:sp>
         <p:nvSpPr>
-          <p:cNvPr id="81" name="Rectangle 65"/>
+          <p:cNvPr id="4" name="Rectangle 65">
+            <a:extLst>
+              <a:ext uri="{FF2B5EF4-FFF2-40B4-BE49-F238E27FC236}">
+                <a16:creationId xmlns:a16="http://schemas.microsoft.com/office/drawing/2014/main" id="{98CCE064-5C83-467F-9CDE-7840E437A717}"/>
+              </a:ext>
+            </a:extLst>
+          </p:cNvPr>
           <p:cNvSpPr/>
           <p:nvPr/>
         </p:nvSpPr>
         <p:spPr>
           <a:xfrm>
-            <a:off x="685800" y="1981200"/>
-            <a:ext cx="7252956" cy="4000286"/>
+            <a:off x="118874" y="1053717"/>
+            <a:ext cx="7819176" cy="4885456"/>
           </a:xfrm>
           <a:prstGeom prst="roundRect">
             <a:avLst>
@@ -3492,14 +3494,14 @@
           <a:lstStyle/>
           <a:p>
             <a:r>
-              <a:rPr lang="en-US" sz="1200" b="1" dirty="0">
+              <a:rPr lang="en-US" sz="900" b="1" dirty="0">
                 <a:solidFill>
                   <a:srgbClr val="0070C0"/>
                 </a:solidFill>
               </a:rPr>
               <a:t>Logic</a:t>
             </a:r>
-            <a:endParaRPr lang="en-SG" sz="1200" b="1" dirty="0">
+            <a:endParaRPr lang="en-SG" sz="900" b="1" dirty="0">
               <a:solidFill>
                 <a:srgbClr val="0070C0"/>
               </a:solidFill>
@@ -3509,14 +3511,20 @@
       </p:sp>
       <p:sp>
         <p:nvSpPr>
-          <p:cNvPr id="2" name="Rectangle 62"/>
+          <p:cNvPr id="5" name="Rectangle 62">
+            <a:extLst>
+              <a:ext uri="{FF2B5EF4-FFF2-40B4-BE49-F238E27FC236}">
+                <a16:creationId xmlns:a16="http://schemas.microsoft.com/office/drawing/2014/main" id="{345D19C5-8566-4683-94F7-61A8C21B644C}"/>
+              </a:ext>
+            </a:extLst>
+          </p:cNvPr>
           <p:cNvSpPr/>
           <p:nvPr/>
         </p:nvSpPr>
         <p:spPr>
           <a:xfrm>
-            <a:off x="845045" y="2296546"/>
-            <a:ext cx="1455629" cy="346760"/>
+            <a:off x="987514" y="1222690"/>
+            <a:ext cx="1130846" cy="244664"/>
           </a:xfrm>
           <a:prstGeom prst="rect">
             <a:avLst/>
@@ -3551,7 +3559,7 @@
           <a:p>
             <a:pPr algn="ctr"/>
             <a:r>
-              <a:rPr lang="en-US" sz="1600" dirty="0">
+              <a:rPr lang="en-US" sz="1200" dirty="0">
                 <a:solidFill>
                   <a:schemeClr val="bg1"/>
                 </a:solidFill>
@@ -3559,14 +3567,14 @@
               <a:t>:</a:t>
             </a:r>
             <a:r>
-              <a:rPr lang="en-US" sz="1600" dirty="0" err="1">
+              <a:rPr lang="en-US" sz="1200" dirty="0" err="1">
                 <a:solidFill>
                   <a:schemeClr val="bg1"/>
                 </a:solidFill>
               </a:rPr>
               <a:t>LogicManager</a:t>
             </a:r>
-            <a:endParaRPr lang="en-SG" sz="1600" dirty="0">
+            <a:endParaRPr lang="en-SG" sz="1200" dirty="0">
               <a:solidFill>
                 <a:schemeClr val="bg1"/>
               </a:solidFill>
@@ -3576,14 +3584,22 @@
       </p:sp>
       <p:cxnSp>
         <p:nvCxnSpPr>
-          <p:cNvPr id="5" name="Straight Connector 4"/>
-          <p:cNvCxnSpPr/>
+          <p:cNvPr id="6" name="Straight Connector 5">
+            <a:extLst>
+              <a:ext uri="{FF2B5EF4-FFF2-40B4-BE49-F238E27FC236}">
+                <a16:creationId xmlns:a16="http://schemas.microsoft.com/office/drawing/2014/main" id="{9F56A76D-431A-4C92-9FED-1FD96879A1D8}"/>
+              </a:ext>
+            </a:extLst>
+          </p:cNvPr>
+          <p:cNvCxnSpPr>
+            <a:cxnSpLocks/>
+          </p:cNvCxnSpPr>
           <p:nvPr/>
         </p:nvCxnSpPr>
         <p:spPr>
-          <a:xfrm>
-            <a:off x="1572859" y="2660217"/>
-            <a:ext cx="0" cy="2597583"/>
+          <a:xfrm flipH="1">
+            <a:off x="1533374" y="1482763"/>
+            <a:ext cx="1" cy="4456410"/>
           </a:xfrm>
           <a:prstGeom prst="line">
             <a:avLst/>
@@ -3613,14 +3629,20 @@
       </p:cxnSp>
       <p:sp>
         <p:nvSpPr>
-          <p:cNvPr id="6" name="Rectangle 5"/>
+          <p:cNvPr id="7" name="Rectangle 6">
+            <a:extLst>
+              <a:ext uri="{FF2B5EF4-FFF2-40B4-BE49-F238E27FC236}">
+                <a16:creationId xmlns:a16="http://schemas.microsoft.com/office/drawing/2014/main" id="{19041977-3D52-4931-9C5F-324B860F2685}"/>
+              </a:ext>
+            </a:extLst>
+          </p:cNvPr>
           <p:cNvSpPr/>
           <p:nvPr/>
         </p:nvSpPr>
         <p:spPr>
           <a:xfrm>
-            <a:off x="1500851" y="3010911"/>
-            <a:ext cx="152400" cy="2780287"/>
+            <a:off x="1476224" y="1780100"/>
+            <a:ext cx="117313" cy="4097465"/>
           </a:xfrm>
           <a:prstGeom prst="rect">
             <a:avLst/>
@@ -3654,20 +3676,110 @@
           <a:lstStyle/>
           <a:p>
             <a:pPr algn="ctr"/>
-            <a:endParaRPr lang="en-SG" sz="1400"/>
-          </a:p>
-        </p:txBody>
-      </p:sp>
-      <p:sp>
-        <p:nvSpPr>
-          <p:cNvPr id="16" name="Rectangle 62"/>
+            <a:endParaRPr lang="en-SG" sz="1050"/>
+          </a:p>
+        </p:txBody>
+      </p:sp>
+      <p:cxnSp>
+        <p:nvCxnSpPr>
+          <p:cNvPr id="8" name="Straight Arrow Connector 7">
+            <a:extLst>
+              <a:ext uri="{FF2B5EF4-FFF2-40B4-BE49-F238E27FC236}">
+                <a16:creationId xmlns:a16="http://schemas.microsoft.com/office/drawing/2014/main" id="{94C7B4D7-EFA5-4A55-B1A9-826932C6DA83}"/>
+              </a:ext>
+            </a:extLst>
+          </p:cNvPr>
+          <p:cNvCxnSpPr>
+            <a:cxnSpLocks/>
+          </p:cNvCxnSpPr>
+          <p:nvPr/>
+        </p:nvCxnSpPr>
+        <p:spPr>
+          <a:xfrm>
+            <a:off x="979449" y="1792521"/>
+            <a:ext cx="501893" cy="1"/>
+          </a:xfrm>
+          <a:prstGeom prst="straightConnector1">
+            <a:avLst/>
+          </a:prstGeom>
+          <a:ln w="19050">
+            <a:solidFill>
+              <a:srgbClr val="00B050"/>
+            </a:solidFill>
+            <a:tailEnd type="arrow"/>
+          </a:ln>
+        </p:spPr>
+        <p:style>
+          <a:lnRef idx="1">
+            <a:schemeClr val="accent1"/>
+          </a:lnRef>
+          <a:fillRef idx="0">
+            <a:schemeClr val="accent1"/>
+          </a:fillRef>
+          <a:effectRef idx="0">
+            <a:schemeClr val="accent1"/>
+          </a:effectRef>
+          <a:fontRef idx="minor">
+            <a:schemeClr val="tx1"/>
+          </a:fontRef>
+        </p:style>
+      </p:cxnSp>
+      <p:sp>
+        <p:nvSpPr>
+          <p:cNvPr id="9" name="TextBox 8">
+            <a:extLst>
+              <a:ext uri="{FF2B5EF4-FFF2-40B4-BE49-F238E27FC236}">
+                <a16:creationId xmlns:a16="http://schemas.microsoft.com/office/drawing/2014/main" id="{B1BC8ABC-CCAC-4639-AC0F-B23818156C88}"/>
+              </a:ext>
+            </a:extLst>
+          </p:cNvPr>
+          <p:cNvSpPr txBox="1"/>
+          <p:nvPr/>
+        </p:nvSpPr>
+        <p:spPr>
+          <a:xfrm>
+            <a:off x="-10047" y="1508214"/>
+            <a:ext cx="1452612" cy="138499"/>
+          </a:xfrm>
+          <a:prstGeom prst="rect">
+            <a:avLst/>
+          </a:prstGeom>
+          <a:noFill/>
+        </p:spPr>
+        <p:txBody>
+          <a:bodyPr wrap="square" lIns="0" tIns="0" rIns="0" bIns="0" rtlCol="0">
+            <a:spAutoFit/>
+          </a:bodyPr>
+          <a:lstStyle/>
+          <a:p>
+            <a:pPr algn="ctr"/>
+            <a:r>
+              <a:rPr lang="en-US" sz="900" dirty="0">
+                <a:solidFill>
+                  <a:srgbClr val="0070C0"/>
+                </a:solidFill>
+              </a:rPr>
+              <a:t>execute(“/order delete 1”)</a:t>
+            </a:r>
+          </a:p>
+        </p:txBody>
+      </p:sp>
+      <p:sp>
+        <p:nvSpPr>
+          <p:cNvPr id="10" name="Rectangle 62">
+            <a:extLst>
+              <a:ext uri="{FF2B5EF4-FFF2-40B4-BE49-F238E27FC236}">
+                <a16:creationId xmlns:a16="http://schemas.microsoft.com/office/drawing/2014/main" id="{31AA61FA-7A51-43F7-A9B5-8A44B9F981C1}"/>
+              </a:ext>
+            </a:extLst>
+          </p:cNvPr>
           <p:cNvSpPr/>
           <p:nvPr/>
         </p:nvSpPr>
         <p:spPr>
           <a:xfrm>
-            <a:off x="2743200" y="2179309"/>
-            <a:ext cx="1219200" cy="467684"/>
+            <a:off x="2271556" y="1131999"/>
+            <a:ext cx="985461" cy="329984"/>
           </a:xfrm>
           <a:prstGeom prst="rect">
             <a:avLst/>
@@ -3702,25 +3814,25 @@
           <a:p>
             <a:pPr algn="ctr"/>
             <a:r>
-              <a:rPr lang="en-US" sz="1600" dirty="0">
+              <a:rPr lang="en-US" sz="1200" dirty="0">
                 <a:solidFill>
                   <a:schemeClr val="bg1"/>
                 </a:solidFill>
               </a:rPr>
-              <a:t>:Address</a:t>
+              <a:t>:Order</a:t>
             </a:r>
           </a:p>
           <a:p>
             <a:pPr algn="ctr"/>
             <a:r>
-              <a:rPr lang="en-US" sz="1600" dirty="0" err="1">
+              <a:rPr lang="en-US" sz="1200" dirty="0" err="1">
                 <a:solidFill>
                   <a:schemeClr val="bg1"/>
                 </a:solidFill>
               </a:rPr>
               <a:t>BookParser</a:t>
             </a:r>
-            <a:endParaRPr lang="en-SG" sz="1600" dirty="0">
+            <a:endParaRPr lang="en-SG" sz="1200" dirty="0">
               <a:solidFill>
                 <a:schemeClr val="bg1"/>
               </a:solidFill>
@@ -3728,16 +3840,100 @@
           </a:p>
         </p:txBody>
       </p:sp>
+      <p:sp>
+        <p:nvSpPr>
+          <p:cNvPr id="11" name="Rectangle 62">
+            <a:extLst>
+              <a:ext uri="{FF2B5EF4-FFF2-40B4-BE49-F238E27FC236}">
+                <a16:creationId xmlns:a16="http://schemas.microsoft.com/office/drawing/2014/main" id="{9B056AE5-87CF-4594-BF4F-8A05700B41F9}"/>
+              </a:ext>
+            </a:extLst>
+          </p:cNvPr>
+          <p:cNvSpPr/>
+          <p:nvPr/>
+        </p:nvSpPr>
+        <p:spPr>
+          <a:xfrm>
+            <a:off x="3277260" y="2043406"/>
+            <a:ext cx="1241824" cy="329984"/>
+          </a:xfrm>
+          <a:prstGeom prst="rect">
+            <a:avLst/>
+          </a:prstGeom>
+          <a:solidFill>
+            <a:srgbClr val="0070C0"/>
+          </a:solidFill>
+          <a:ln w="19050">
+            <a:solidFill>
+              <a:srgbClr val="0070C0"/>
+            </a:solidFill>
+          </a:ln>
+          <a:effectLst/>
+        </p:spPr>
+        <p:style>
+          <a:lnRef idx="1">
+            <a:schemeClr val="accent2"/>
+          </a:lnRef>
+          <a:fillRef idx="2">
+            <a:schemeClr val="accent2"/>
+          </a:fillRef>
+          <a:effectRef idx="1">
+            <a:schemeClr val="accent2"/>
+          </a:effectRef>
+          <a:fontRef idx="minor">
+            <a:schemeClr val="dk1"/>
+          </a:fontRef>
+        </p:style>
+        <p:txBody>
+          <a:bodyPr rtlCol="0" anchor="ctr"/>
+          <a:lstStyle/>
+          <a:p>
+            <a:pPr algn="ctr"/>
+            <a:r>
+              <a:rPr lang="en-US" sz="1200" dirty="0">
+                <a:solidFill>
+                  <a:schemeClr val="bg1"/>
+                </a:solidFill>
+              </a:rPr>
+              <a:t>:Order</a:t>
+            </a:r>
+          </a:p>
+          <a:p>
+            <a:pPr algn="ctr"/>
+            <a:r>
+              <a:rPr lang="en-US" sz="1200" dirty="0" err="1">
+                <a:solidFill>
+                  <a:schemeClr val="bg1"/>
+                </a:solidFill>
+              </a:rPr>
+              <a:t>CommandParser</a:t>
+            </a:r>
+            <a:endParaRPr lang="en-SG" sz="1200" dirty="0">
+              <a:solidFill>
+                <a:schemeClr val="bg1"/>
+              </a:solidFill>
+            </a:endParaRPr>
+          </a:p>
+        </p:txBody>
+      </p:sp>
       <p:cxnSp>
         <p:nvCxnSpPr>
-          <p:cNvPr id="17" name="Straight Connector 16"/>
-          <p:cNvCxnSpPr/>
+          <p:cNvPr id="12" name="Straight Connector 11">
+            <a:extLst>
+              <a:ext uri="{FF2B5EF4-FFF2-40B4-BE49-F238E27FC236}">
+                <a16:creationId xmlns:a16="http://schemas.microsoft.com/office/drawing/2014/main" id="{273FB02C-D3E7-4E5E-B31A-C1A34489A85E}"/>
+              </a:ext>
+            </a:extLst>
+          </p:cNvPr>
+          <p:cNvCxnSpPr>
+            <a:cxnSpLocks/>
+          </p:cNvCxnSpPr>
           <p:nvPr/>
         </p:nvCxnSpPr>
         <p:spPr>
           <a:xfrm>
-            <a:off x="3356599" y="2663904"/>
-            <a:ext cx="0" cy="1695374"/>
+            <a:off x="2728757" y="1482762"/>
+            <a:ext cx="6960" cy="2937194"/>
           </a:xfrm>
           <a:prstGeom prst="line">
             <a:avLst/>
@@ -3767,14 +3963,20 @@
       </p:cxnSp>
       <p:sp>
         <p:nvSpPr>
-          <p:cNvPr id="18" name="Rectangle 17"/>
+          <p:cNvPr id="13" name="Rectangle 12">
+            <a:extLst>
+              <a:ext uri="{FF2B5EF4-FFF2-40B4-BE49-F238E27FC236}">
+                <a16:creationId xmlns:a16="http://schemas.microsoft.com/office/drawing/2014/main" id="{C0C58F27-A2C9-4EE4-B30B-C4888A5F4F8D}"/>
+              </a:ext>
+            </a:extLst>
+          </p:cNvPr>
           <p:cNvSpPr/>
           <p:nvPr/>
         </p:nvSpPr>
         <p:spPr>
           <a:xfrm>
-            <a:off x="3284590" y="3122096"/>
-            <a:ext cx="174929" cy="1129459"/>
+            <a:off x="2675760" y="2068022"/>
+            <a:ext cx="98910" cy="2269299"/>
           </a:xfrm>
           <a:prstGeom prst="rect">
             <a:avLst/>
@@ -3808,326 +4010,26 @@
           <a:lstStyle/>
           <a:p>
             <a:pPr algn="ctr"/>
-            <a:endParaRPr lang="en-SG" sz="1400">
-              <a:solidFill>
-                <a:schemeClr val="dk1"/>
-              </a:solidFill>
-            </a:endParaRPr>
-          </a:p>
-        </p:txBody>
-      </p:sp>
-      <p:sp>
-        <p:nvSpPr>
-          <p:cNvPr id="19" name="Rectangle 62"/>
-          <p:cNvSpPr/>
-          <p:nvPr/>
-        </p:nvSpPr>
-        <p:spPr>
-          <a:xfrm>
-            <a:off x="6221565" y="3312740"/>
-            <a:ext cx="1093635" cy="461538"/>
-          </a:xfrm>
-          <a:prstGeom prst="rect">
-            <a:avLst/>
-          </a:prstGeom>
-          <a:solidFill>
-            <a:srgbClr val="0070C0"/>
-          </a:solidFill>
-          <a:ln w="19050">
-            <a:solidFill>
-              <a:srgbClr val="0070C0"/>
-            </a:solidFill>
-          </a:ln>
-          <a:effectLst/>
-        </p:spPr>
-        <p:style>
-          <a:lnRef idx="1">
-            <a:schemeClr val="accent2"/>
-          </a:lnRef>
-          <a:fillRef idx="2">
-            <a:schemeClr val="accent2"/>
-          </a:fillRef>
-          <a:effectRef idx="1">
-            <a:schemeClr val="accent2"/>
-          </a:effectRef>
-          <a:fontRef idx="minor">
-            <a:schemeClr val="dk1"/>
-          </a:fontRef>
-        </p:style>
-        <p:txBody>
-          <a:bodyPr rtlCol="0" anchor="ctr"/>
-          <a:lstStyle/>
-          <a:p>
-            <a:pPr algn="ctr"/>
-            <a:r>
-              <a:rPr lang="en-US" sz="1600" dirty="0">
-                <a:solidFill>
-                  <a:schemeClr val="bg1"/>
-                </a:solidFill>
-              </a:rPr>
-              <a:t>d:Delete</a:t>
-            </a:r>
-            <a:br>
-              <a:rPr lang="en-US" sz="1600" dirty="0">
-                <a:solidFill>
-                  <a:schemeClr val="bg1"/>
-                </a:solidFill>
-              </a:rPr>
-            </a:br>
-            <a:r>
-              <a:rPr lang="en-US" sz="1600" dirty="0">
-                <a:solidFill>
-                  <a:schemeClr val="bg1"/>
-                </a:solidFill>
-              </a:rPr>
-              <a:t>Command</a:t>
-            </a:r>
-            <a:endParaRPr lang="en-SG" sz="1600" dirty="0">
-              <a:solidFill>
-                <a:schemeClr val="bg1"/>
-              </a:solidFill>
-            </a:endParaRPr>
-          </a:p>
-        </p:txBody>
-      </p:sp>
-      <p:cxnSp>
-        <p:nvCxnSpPr>
-          <p:cNvPr id="20" name="Straight Connector 19"/>
-          <p:cNvCxnSpPr>
-            <a:stCxn id="21" idx="0"/>
-          </p:cNvCxnSpPr>
-          <p:nvPr/>
-        </p:nvCxnSpPr>
-        <p:spPr>
-          <a:xfrm>
-            <a:off x="6772574" y="3774278"/>
-            <a:ext cx="0" cy="1940722"/>
-          </a:xfrm>
-          <a:prstGeom prst="line">
-            <a:avLst/>
-          </a:prstGeom>
-          <a:ln w="19050">
-            <a:solidFill>
-              <a:srgbClr val="0070C0"/>
-            </a:solidFill>
-            <a:prstDash val="sysDash"/>
-          </a:ln>
-          <a:effectLst/>
-        </p:spPr>
-        <p:style>
-          <a:lnRef idx="1">
-            <a:schemeClr val="accent1"/>
-          </a:lnRef>
-          <a:fillRef idx="2">
-            <a:schemeClr val="accent1"/>
-          </a:fillRef>
-          <a:effectRef idx="1">
-            <a:schemeClr val="accent1"/>
-          </a:effectRef>
-          <a:fontRef idx="minor">
-            <a:schemeClr val="dk1"/>
-          </a:fontRef>
-        </p:style>
-      </p:cxnSp>
-      <p:sp>
-        <p:nvSpPr>
-          <p:cNvPr id="21" name="Rectangle 20"/>
-          <p:cNvSpPr/>
-          <p:nvPr/>
-        </p:nvSpPr>
-        <p:spPr>
-          <a:xfrm>
-            <a:off x="6696374" y="3774278"/>
-            <a:ext cx="152400" cy="276003"/>
-          </a:xfrm>
-          <a:prstGeom prst="rect">
-            <a:avLst/>
-          </a:prstGeom>
-          <a:solidFill>
-            <a:srgbClr val="0070C0"/>
-          </a:solidFill>
-          <a:ln>
-            <a:solidFill>
-              <a:srgbClr val="0070C0"/>
-            </a:solidFill>
-          </a:ln>
-          <a:effectLst/>
-        </p:spPr>
-        <p:style>
-          <a:lnRef idx="1">
-            <a:schemeClr val="accent3"/>
-          </a:lnRef>
-          <a:fillRef idx="2">
-            <a:schemeClr val="accent3"/>
-          </a:fillRef>
-          <a:effectRef idx="1">
-            <a:schemeClr val="accent3"/>
-          </a:effectRef>
-          <a:fontRef idx="minor">
-            <a:schemeClr val="dk1"/>
-          </a:fontRef>
-        </p:style>
-        <p:txBody>
-          <a:bodyPr rtlCol="0" anchor="ctr"/>
-          <a:lstStyle/>
-          <a:p>
-            <a:pPr algn="ctr"/>
-            <a:endParaRPr lang="en-SG" sz="1400"/>
-          </a:p>
-        </p:txBody>
-      </p:sp>
-      <p:cxnSp>
-        <p:nvCxnSpPr>
-          <p:cNvPr id="23" name="Straight Arrow Connector 22"/>
-          <p:cNvCxnSpPr/>
-          <p:nvPr/>
-        </p:nvCxnSpPr>
-        <p:spPr>
-          <a:xfrm>
-            <a:off x="381000" y="3014599"/>
-            <a:ext cx="1119851" cy="0"/>
-          </a:xfrm>
-          <a:prstGeom prst="straightConnector1">
-            <a:avLst/>
-          </a:prstGeom>
-          <a:ln w="19050">
-            <a:solidFill>
-              <a:srgbClr val="00B050"/>
-            </a:solidFill>
-            <a:tailEnd type="arrow"/>
-          </a:ln>
-        </p:spPr>
-        <p:style>
-          <a:lnRef idx="1">
-            <a:schemeClr val="accent1"/>
-          </a:lnRef>
-          <a:fillRef idx="0">
-            <a:schemeClr val="accent1"/>
-          </a:fillRef>
-          <a:effectRef idx="0">
-            <a:schemeClr val="accent1"/>
-          </a:effectRef>
-          <a:fontRef idx="minor">
-            <a:schemeClr val="tx1"/>
-          </a:fontRef>
-        </p:style>
-      </p:cxnSp>
-      <p:cxnSp>
-        <p:nvCxnSpPr>
-          <p:cNvPr id="25" name="Straight Arrow Connector 24"/>
-          <p:cNvCxnSpPr/>
-          <p:nvPr/>
-        </p:nvCxnSpPr>
-        <p:spPr>
-          <a:xfrm flipV="1">
-            <a:off x="1653251" y="3122097"/>
-            <a:ext cx="1596514" cy="1"/>
-          </a:xfrm>
-          <a:prstGeom prst="straightConnector1">
-            <a:avLst/>
-          </a:prstGeom>
-          <a:ln w="19050">
-            <a:solidFill>
-              <a:srgbClr val="0070C0"/>
-            </a:solidFill>
-            <a:tailEnd type="arrow"/>
-          </a:ln>
-        </p:spPr>
-        <p:style>
-          <a:lnRef idx="1">
-            <a:schemeClr val="accent1"/>
-          </a:lnRef>
-          <a:fillRef idx="0">
-            <a:schemeClr val="accent1"/>
-          </a:fillRef>
-          <a:effectRef idx="0">
-            <a:schemeClr val="accent1"/>
-          </a:effectRef>
-          <a:fontRef idx="minor">
-            <a:schemeClr val="tx1"/>
-          </a:fontRef>
-        </p:style>
-      </p:cxnSp>
-      <p:sp>
-        <p:nvSpPr>
-          <p:cNvPr id="26" name="TextBox 25"/>
+            <a:endParaRPr lang="en-SG" sz="1050"/>
+          </a:p>
+        </p:txBody>
+      </p:sp>
+      <p:sp>
+        <p:nvSpPr>
+          <p:cNvPr id="14" name="TextBox 13">
+            <a:extLst>
+              <a:ext uri="{FF2B5EF4-FFF2-40B4-BE49-F238E27FC236}">
+                <a16:creationId xmlns:a16="http://schemas.microsoft.com/office/drawing/2014/main" id="{142D2D79-CE65-4638-B7DE-3D35CB68E376}"/>
+              </a:ext>
+            </a:extLst>
+          </p:cNvPr>
           <p:cNvSpPr txBox="1"/>
           <p:nvPr/>
         </p:nvSpPr>
         <p:spPr>
           <a:xfrm>
-            <a:off x="0" y="2743200"/>
-            <a:ext cx="1424846" cy="215444"/>
-          </a:xfrm>
-          <a:prstGeom prst="rect">
-            <a:avLst/>
-          </a:prstGeom>
-          <a:noFill/>
-        </p:spPr>
-        <p:txBody>
-          <a:bodyPr wrap="square" lIns="0" tIns="0" rIns="0" bIns="0" rtlCol="0">
-            <a:spAutoFit/>
-          </a:bodyPr>
-          <a:lstStyle/>
-          <a:p>
-            <a:pPr algn="r"/>
-            <a:r>
-              <a:rPr lang="en-US" sz="1400" dirty="0">
-                <a:solidFill>
-                  <a:srgbClr val="0070C0"/>
-                </a:solidFill>
-              </a:rPr>
-              <a:t>execute(“delete 1”)</a:t>
-            </a:r>
-          </a:p>
-        </p:txBody>
-      </p:sp>
-      <p:cxnSp>
-        <p:nvCxnSpPr>
-          <p:cNvPr id="28" name="Straight Arrow Connector 27"/>
-          <p:cNvCxnSpPr/>
-          <p:nvPr/>
-        </p:nvCxnSpPr>
-        <p:spPr>
-          <a:xfrm flipV="1">
-            <a:off x="5257218" y="3703214"/>
-            <a:ext cx="922392" cy="1"/>
-          </a:xfrm>
-          <a:prstGeom prst="straightConnector1">
-            <a:avLst/>
-          </a:prstGeom>
-          <a:ln w="19050">
-            <a:solidFill>
-              <a:srgbClr val="0070C0"/>
-            </a:solidFill>
-            <a:tailEnd type="arrow"/>
-          </a:ln>
-        </p:spPr>
-        <p:style>
-          <a:lnRef idx="1">
-            <a:schemeClr val="accent1"/>
-          </a:lnRef>
-          <a:fillRef idx="0">
-            <a:schemeClr val="accent1"/>
-          </a:fillRef>
-          <a:effectRef idx="0">
-            <a:schemeClr val="accent1"/>
-          </a:effectRef>
-          <a:fontRef idx="minor">
-            <a:schemeClr val="tx1"/>
-          </a:fontRef>
-        </p:style>
-      </p:cxnSp>
-      <p:sp>
-        <p:nvSpPr>
-          <p:cNvPr id="29" name="TextBox 28"/>
-          <p:cNvSpPr txBox="1"/>
-          <p:nvPr/>
-        </p:nvSpPr>
-        <p:spPr>
-          <a:xfrm>
-            <a:off x="4257582" y="4251556"/>
-            <a:ext cx="855809" cy="215444"/>
+            <a:off x="1720758" y="1730328"/>
+            <a:ext cx="985461" cy="276999"/>
           </a:xfrm>
           <a:prstGeom prst="rect">
             <a:avLst/>
@@ -4151,202 +4053,43 @@
             </a:lvl1pPr>
           </a:lstStyle>
           <a:p>
-            <a:r>
-              <a:rPr lang="en-US" dirty="0"/>
-              <a:t>execute()</a:t>
+            <a:pPr algn="l"/>
+            <a:r>
+              <a:rPr lang="en-US" sz="900" dirty="0" err="1"/>
+              <a:t>parseCommand</a:t>
+            </a:r>
+            <a:r>
+              <a:rPr lang="en-US" sz="900" dirty="0"/>
+              <a:t>(“</a:t>
+            </a:r>
+          </a:p>
+          <a:p>
+            <a:pPr algn="l"/>
+            <a:r>
+              <a:rPr lang="en-US" sz="900" dirty="0"/>
+              <a:t>/order delete 1”)</a:t>
             </a:r>
           </a:p>
         </p:txBody>
       </p:sp>
       <p:cxnSp>
         <p:nvCxnSpPr>
-          <p:cNvPr id="34" name="Straight Arrow Connector 33"/>
-          <p:cNvCxnSpPr/>
+          <p:cNvPr id="15" name="Straight Arrow Connector 14">
+            <a:extLst>
+              <a:ext uri="{FF2B5EF4-FFF2-40B4-BE49-F238E27FC236}">
+                <a16:creationId xmlns:a16="http://schemas.microsoft.com/office/drawing/2014/main" id="{5CC99A7E-21F0-4424-A81F-61762B3397B4}"/>
+              </a:ext>
+            </a:extLst>
+          </p:cNvPr>
+          <p:cNvCxnSpPr>
+            <a:cxnSpLocks/>
+          </p:cNvCxnSpPr>
           <p:nvPr/>
         </p:nvCxnSpPr>
         <p:spPr>
           <a:xfrm>
-            <a:off x="5257800" y="4050281"/>
-            <a:ext cx="1492974" cy="0"/>
-          </a:xfrm>
-          <a:prstGeom prst="straightConnector1">
-            <a:avLst/>
-          </a:prstGeom>
-          <a:ln w="19050">
-            <a:solidFill>
-              <a:srgbClr val="0070C0"/>
-            </a:solidFill>
-            <a:prstDash val="sysDash"/>
-            <a:headEnd type="arrow" w="med" len="med"/>
-            <a:tailEnd type="none" w="med" len="med"/>
-          </a:ln>
-        </p:spPr>
-        <p:style>
-          <a:lnRef idx="1">
-            <a:schemeClr val="accent1"/>
-          </a:lnRef>
-          <a:fillRef idx="0">
-            <a:schemeClr val="accent1"/>
-          </a:fillRef>
-          <a:effectRef idx="0">
-            <a:schemeClr val="accent1"/>
-          </a:effectRef>
-          <a:fontRef idx="minor">
-            <a:schemeClr val="tx1"/>
-          </a:fontRef>
-        </p:style>
-      </p:cxnSp>
-      <p:cxnSp>
-        <p:nvCxnSpPr>
-          <p:cNvPr id="35" name="Straight Arrow Connector 34"/>
-          <p:cNvCxnSpPr/>
-          <p:nvPr/>
-        </p:nvCxnSpPr>
-        <p:spPr>
-          <a:xfrm flipV="1">
-            <a:off x="1670186" y="4243231"/>
-            <a:ext cx="1596514" cy="5378"/>
-          </a:xfrm>
-          <a:prstGeom prst="straightConnector1">
-            <a:avLst/>
-          </a:prstGeom>
-          <a:ln w="19050">
-            <a:solidFill>
-              <a:srgbClr val="0070C0"/>
-            </a:solidFill>
-            <a:prstDash val="sysDash"/>
-            <a:headEnd type="arrow" w="med" len="med"/>
-            <a:tailEnd type="none" w="med" len="med"/>
-          </a:ln>
-        </p:spPr>
-        <p:style>
-          <a:lnRef idx="1">
-            <a:schemeClr val="accent1"/>
-          </a:lnRef>
-          <a:fillRef idx="0">
-            <a:schemeClr val="accent1"/>
-          </a:fillRef>
-          <a:effectRef idx="0">
-            <a:schemeClr val="accent1"/>
-          </a:effectRef>
-          <a:fontRef idx="minor">
-            <a:schemeClr val="tx1"/>
-          </a:fontRef>
-        </p:style>
-      </p:cxnSp>
-      <p:cxnSp>
-        <p:nvCxnSpPr>
-          <p:cNvPr id="37" name="Straight Arrow Connector 36"/>
-          <p:cNvCxnSpPr/>
-          <p:nvPr/>
-        </p:nvCxnSpPr>
-        <p:spPr>
-          <a:xfrm>
-            <a:off x="304800" y="5791200"/>
-            <a:ext cx="1196051" cy="0"/>
-          </a:xfrm>
-          <a:prstGeom prst="straightConnector1">
-            <a:avLst/>
-          </a:prstGeom>
-          <a:ln w="19050">
-            <a:solidFill>
-              <a:schemeClr val="accent1"/>
-            </a:solidFill>
-            <a:prstDash val="sysDash"/>
-            <a:headEnd type="arrow" w="med" len="med"/>
-            <a:tailEnd type="none" w="med" len="med"/>
-          </a:ln>
-        </p:spPr>
-        <p:style>
-          <a:lnRef idx="1">
-            <a:schemeClr val="accent1"/>
-          </a:lnRef>
-          <a:fillRef idx="0">
-            <a:schemeClr val="accent1"/>
-          </a:fillRef>
-          <a:effectRef idx="0">
-            <a:schemeClr val="accent1"/>
-          </a:effectRef>
-          <a:fontRef idx="minor">
-            <a:schemeClr val="tx1"/>
-          </a:fontRef>
-        </p:style>
-      </p:cxnSp>
-      <p:sp>
-        <p:nvSpPr>
-          <p:cNvPr id="39" name="Rectangle 62"/>
-          <p:cNvSpPr/>
-          <p:nvPr/>
-        </p:nvSpPr>
-        <p:spPr>
-          <a:xfrm>
-            <a:off x="8265896" y="2362200"/>
-            <a:ext cx="1030504" cy="346760"/>
-          </a:xfrm>
-          <a:prstGeom prst="rect">
-            <a:avLst/>
-          </a:prstGeom>
-          <a:solidFill>
-            <a:schemeClr val="accent4">
-              <a:lumMod val="60000"/>
-              <a:lumOff val="40000"/>
-            </a:schemeClr>
-          </a:solidFill>
-          <a:ln w="19050">
-            <a:solidFill>
-              <a:schemeClr val="accent4">
-                <a:lumMod val="60000"/>
-                <a:lumOff val="40000"/>
-              </a:schemeClr>
-            </a:solidFill>
-          </a:ln>
-          <a:effectLst/>
-        </p:spPr>
-        <p:style>
-          <a:lnRef idx="1">
-            <a:schemeClr val="accent2"/>
-          </a:lnRef>
-          <a:fillRef idx="2">
-            <a:schemeClr val="accent2"/>
-          </a:fillRef>
-          <a:effectRef idx="1">
-            <a:schemeClr val="accent2"/>
-          </a:effectRef>
-          <a:fontRef idx="minor">
-            <a:schemeClr val="dk1"/>
-          </a:fontRef>
-        </p:style>
-        <p:txBody>
-          <a:bodyPr rtlCol="0" anchor="ctr"/>
-          <a:lstStyle/>
-          <a:p>
-            <a:pPr algn="ctr"/>
-            <a:r>
-              <a:rPr lang="en-US" sz="1600" dirty="0">
-                <a:solidFill>
-                  <a:schemeClr val="bg1"/>
-                </a:solidFill>
-              </a:rPr>
-              <a:t>:Model</a:t>
-            </a:r>
-            <a:endParaRPr lang="en-SG" sz="1600" dirty="0">
-              <a:solidFill>
-                <a:schemeClr val="bg1"/>
-              </a:solidFill>
-            </a:endParaRPr>
-          </a:p>
-        </p:txBody>
-      </p:sp>
-      <p:cxnSp>
-        <p:nvCxnSpPr>
-          <p:cNvPr id="64" name="Straight Arrow Connector 63"/>
-          <p:cNvCxnSpPr/>
-          <p:nvPr/>
-        </p:nvCxnSpPr>
-        <p:spPr>
-          <a:xfrm>
-            <a:off x="1653251" y="4495317"/>
-            <a:ext cx="5043123" cy="0"/>
+            <a:off x="1590523" y="2068019"/>
+            <a:ext cx="1085237" cy="0"/>
           </a:xfrm>
           <a:prstGeom prst="straightConnector1">
             <a:avLst/>
@@ -4373,16 +4116,111 @@
           </a:fontRef>
         </p:style>
       </p:cxnSp>
-      <p:sp>
-        <p:nvSpPr>
-          <p:cNvPr id="65" name="Rectangle 64"/>
+      <p:cxnSp>
+        <p:nvCxnSpPr>
+          <p:cNvPr id="18" name="Straight Arrow Connector 17">
+            <a:extLst>
+              <a:ext uri="{FF2B5EF4-FFF2-40B4-BE49-F238E27FC236}">
+                <a16:creationId xmlns:a16="http://schemas.microsoft.com/office/drawing/2014/main" id="{908038B7-395D-41CE-B4C5-BAFB656D01FC}"/>
+              </a:ext>
+            </a:extLst>
+          </p:cNvPr>
+          <p:cNvCxnSpPr>
+            <a:cxnSpLocks/>
+          </p:cNvCxnSpPr>
+          <p:nvPr/>
+        </p:nvCxnSpPr>
+        <p:spPr>
+          <a:xfrm>
+            <a:off x="2774584" y="2204016"/>
+            <a:ext cx="487438" cy="0"/>
+          </a:xfrm>
+          <a:prstGeom prst="straightConnector1">
+            <a:avLst/>
+          </a:prstGeom>
+          <a:ln w="19050">
+            <a:solidFill>
+              <a:srgbClr val="0070C0"/>
+            </a:solidFill>
+            <a:tailEnd type="arrow"/>
+          </a:ln>
+        </p:spPr>
+        <p:style>
+          <a:lnRef idx="1">
+            <a:schemeClr val="accent1"/>
+          </a:lnRef>
+          <a:fillRef idx="0">
+            <a:schemeClr val="accent1"/>
+          </a:fillRef>
+          <a:effectRef idx="0">
+            <a:schemeClr val="accent1"/>
+          </a:effectRef>
+          <a:fontRef idx="minor">
+            <a:schemeClr val="tx1"/>
+          </a:fontRef>
+        </p:style>
+      </p:cxnSp>
+      <p:cxnSp>
+        <p:nvCxnSpPr>
+          <p:cNvPr id="19" name="Straight Connector 18">
+            <a:extLst>
+              <a:ext uri="{FF2B5EF4-FFF2-40B4-BE49-F238E27FC236}">
+                <a16:creationId xmlns:a16="http://schemas.microsoft.com/office/drawing/2014/main" id="{85644BD7-3D1A-4DE6-A9D3-0937C60DBF17}"/>
+              </a:ext>
+            </a:extLst>
+          </p:cNvPr>
+          <p:cNvCxnSpPr>
+            <a:cxnSpLocks/>
+          </p:cNvCxnSpPr>
+          <p:nvPr/>
+        </p:nvCxnSpPr>
+        <p:spPr>
+          <a:xfrm>
+            <a:off x="3885084" y="2379399"/>
+            <a:ext cx="1" cy="1938791"/>
+          </a:xfrm>
+          <a:prstGeom prst="line">
+            <a:avLst/>
+          </a:prstGeom>
+          <a:ln w="19050">
+            <a:solidFill>
+              <a:srgbClr val="0070C0"/>
+            </a:solidFill>
+            <a:prstDash val="sysDash"/>
+          </a:ln>
+          <a:effectLst/>
+        </p:spPr>
+        <p:style>
+          <a:lnRef idx="1">
+            <a:schemeClr val="accent1"/>
+          </a:lnRef>
+          <a:fillRef idx="2">
+            <a:schemeClr val="accent1"/>
+          </a:fillRef>
+          <a:effectRef idx="1">
+            <a:schemeClr val="accent1"/>
+          </a:effectRef>
+          <a:fontRef idx="minor">
+            <a:schemeClr val="dk1"/>
+          </a:fontRef>
+        </p:style>
+      </p:cxnSp>
+      <p:sp>
+        <p:nvSpPr>
+          <p:cNvPr id="22" name="Rectangle 21">
+            <a:extLst>
+              <a:ext uri="{FF2B5EF4-FFF2-40B4-BE49-F238E27FC236}">
+                <a16:creationId xmlns:a16="http://schemas.microsoft.com/office/drawing/2014/main" id="{0293D330-125B-4FAF-AB65-EB7A39B6B77F}"/>
+              </a:ext>
+            </a:extLst>
+          </p:cNvPr>
           <p:cNvSpPr/>
           <p:nvPr/>
         </p:nvSpPr>
         <p:spPr>
           <a:xfrm>
-            <a:off x="6687452" y="4467000"/>
-            <a:ext cx="161322" cy="1019400"/>
+            <a:off x="3827183" y="2376266"/>
+            <a:ext cx="108936" cy="116325"/>
           </a:xfrm>
           <a:prstGeom prst="rect">
             <a:avLst/>
@@ -4416,194 +4254,29 @@
           <a:lstStyle/>
           <a:p>
             <a:pPr algn="ctr"/>
-            <a:endParaRPr lang="en-SG" sz="1400"/>
+            <a:endParaRPr lang="en-SG" sz="1050"/>
           </a:p>
         </p:txBody>
       </p:sp>
       <p:cxnSp>
         <p:nvCxnSpPr>
-          <p:cNvPr id="71" name="Straight Connector 70"/>
-          <p:cNvCxnSpPr/>
+          <p:cNvPr id="23" name="Straight Arrow Connector 22">
+            <a:extLst>
+              <a:ext uri="{FF2B5EF4-FFF2-40B4-BE49-F238E27FC236}">
+                <a16:creationId xmlns:a16="http://schemas.microsoft.com/office/drawing/2014/main" id="{45E9583B-A536-47D7-94FB-F6EDE80907CD}"/>
+              </a:ext>
+            </a:extLst>
+          </p:cNvPr>
+          <p:cNvCxnSpPr>
+            <a:cxnSpLocks/>
+            <a:endCxn id="22" idx="2"/>
+          </p:cNvCxnSpPr>
           <p:nvPr/>
         </p:nvCxnSpPr>
         <p:spPr>
           <a:xfrm>
-            <a:off x="8781148" y="2700858"/>
-            <a:ext cx="0" cy="2830598"/>
-          </a:xfrm>
-          <a:prstGeom prst="line">
-            <a:avLst/>
-          </a:prstGeom>
-          <a:ln w="19050">
-            <a:solidFill>
-              <a:schemeClr val="accent4">
-                <a:lumMod val="60000"/>
-                <a:lumOff val="40000"/>
-              </a:schemeClr>
-            </a:solidFill>
-            <a:prstDash val="sysDash"/>
-          </a:ln>
-          <a:effectLst/>
-        </p:spPr>
-        <p:style>
-          <a:lnRef idx="1">
-            <a:schemeClr val="accent1"/>
-          </a:lnRef>
-          <a:fillRef idx="2">
-            <a:schemeClr val="accent1"/>
-          </a:fillRef>
-          <a:effectRef idx="1">
-            <a:schemeClr val="accent1"/>
-          </a:effectRef>
-          <a:fontRef idx="minor">
-            <a:schemeClr val="dk1"/>
-          </a:fontRef>
-        </p:style>
-      </p:cxnSp>
-      <p:sp>
-        <p:nvSpPr>
-          <p:cNvPr id="73" name="Rectangle 72"/>
-          <p:cNvSpPr/>
-          <p:nvPr/>
-        </p:nvSpPr>
-        <p:spPr>
-          <a:xfrm>
-            <a:off x="8686800" y="4524597"/>
-            <a:ext cx="152400" cy="199803"/>
-          </a:xfrm>
-          <a:prstGeom prst="rect">
-            <a:avLst/>
-          </a:prstGeom>
-          <a:solidFill>
-            <a:schemeClr val="accent4">
-              <a:lumMod val="60000"/>
-              <a:lumOff val="40000"/>
-            </a:schemeClr>
-          </a:solidFill>
-          <a:ln>
-            <a:solidFill>
-              <a:schemeClr val="accent4">
-                <a:lumMod val="60000"/>
-                <a:lumOff val="40000"/>
-              </a:schemeClr>
-            </a:solidFill>
-          </a:ln>
-          <a:effectLst/>
-        </p:spPr>
-        <p:style>
-          <a:lnRef idx="1">
-            <a:schemeClr val="accent3"/>
-          </a:lnRef>
-          <a:fillRef idx="2">
-            <a:schemeClr val="accent3"/>
-          </a:fillRef>
-          <a:effectRef idx="1">
-            <a:schemeClr val="accent3"/>
-          </a:effectRef>
-          <a:fontRef idx="minor">
-            <a:schemeClr val="dk1"/>
-          </a:fontRef>
-        </p:style>
-        <p:txBody>
-          <a:bodyPr rtlCol="0" anchor="ctr"/>
-          <a:lstStyle/>
-          <a:p>
-            <a:pPr algn="ctr"/>
-            <a:endParaRPr lang="en-SG" sz="1400">
-              <a:solidFill>
-                <a:schemeClr val="dk1"/>
-              </a:solidFill>
-            </a:endParaRPr>
-          </a:p>
-        </p:txBody>
-      </p:sp>
-      <p:cxnSp>
-        <p:nvCxnSpPr>
-          <p:cNvPr id="75" name="Straight Arrow Connector 74"/>
-          <p:cNvCxnSpPr/>
-          <p:nvPr/>
-        </p:nvCxnSpPr>
-        <p:spPr>
-          <a:xfrm>
-            <a:off x="6850663" y="4524597"/>
-            <a:ext cx="1836137" cy="0"/>
-          </a:xfrm>
-          <a:prstGeom prst="straightConnector1">
-            <a:avLst/>
-          </a:prstGeom>
-          <a:ln w="19050">
-            <a:solidFill>
-              <a:srgbClr val="0070C0"/>
-            </a:solidFill>
-            <a:tailEnd type="arrow"/>
-          </a:ln>
-        </p:spPr>
-        <p:style>
-          <a:lnRef idx="1">
-            <a:schemeClr val="accent1"/>
-          </a:lnRef>
-          <a:fillRef idx="0">
-            <a:schemeClr val="accent1"/>
-          </a:fillRef>
-          <a:effectRef idx="0">
-            <a:schemeClr val="accent1"/>
-          </a:effectRef>
-          <a:fontRef idx="minor">
-            <a:schemeClr val="tx1"/>
-          </a:fontRef>
-        </p:style>
-      </p:cxnSp>
-      <p:cxnSp>
-        <p:nvCxnSpPr>
-          <p:cNvPr id="76" name="Straight Arrow Connector 75"/>
-          <p:cNvCxnSpPr/>
-          <p:nvPr/>
-        </p:nvCxnSpPr>
-        <p:spPr>
-          <a:xfrm flipV="1">
-            <a:off x="6848774" y="4714650"/>
-            <a:ext cx="1838026" cy="9750"/>
-          </a:xfrm>
-          <a:prstGeom prst="straightConnector1">
-            <a:avLst/>
-          </a:prstGeom>
-          <a:ln w="19050">
-            <a:solidFill>
-              <a:schemeClr val="accent4">
-                <a:lumMod val="60000"/>
-                <a:lumOff val="40000"/>
-              </a:schemeClr>
-            </a:solidFill>
-            <a:prstDash val="sysDash"/>
-            <a:headEnd type="arrow" w="med" len="med"/>
-            <a:tailEnd type="none" w="med" len="med"/>
-          </a:ln>
-        </p:spPr>
-        <p:style>
-          <a:lnRef idx="1">
-            <a:schemeClr val="accent1"/>
-          </a:lnRef>
-          <a:fillRef idx="0">
-            <a:schemeClr val="accent1"/>
-          </a:fillRef>
-          <a:effectRef idx="0">
-            <a:schemeClr val="accent1"/>
-          </a:effectRef>
-          <a:fontRef idx="minor">
-            <a:schemeClr val="tx1"/>
-          </a:fontRef>
-        </p:style>
-      </p:cxnSp>
-      <p:cxnSp>
-        <p:nvCxnSpPr>
-          <p:cNvPr id="77" name="Straight Arrow Connector 76"/>
-          <p:cNvCxnSpPr/>
-          <p:nvPr/>
-        </p:nvCxnSpPr>
-        <p:spPr>
-          <a:xfrm>
-            <a:off x="1653251" y="5486400"/>
-            <a:ext cx="5052349" cy="0"/>
+            <a:off x="2791557" y="2490382"/>
+            <a:ext cx="1090094" cy="2210"/>
           </a:xfrm>
           <a:prstGeom prst="straightConnector1">
             <a:avLst/>
@@ -4634,14 +4307,20 @@
       </p:cxnSp>
       <p:sp>
         <p:nvSpPr>
-          <p:cNvPr id="78" name="TextBox 77"/>
+          <p:cNvPr id="27" name="TextBox 26">
+            <a:extLst>
+              <a:ext uri="{FF2B5EF4-FFF2-40B4-BE49-F238E27FC236}">
+                <a16:creationId xmlns:a16="http://schemas.microsoft.com/office/drawing/2014/main" id="{FF6ED2BA-51F9-4D5D-8896-D5C980639241}"/>
+              </a:ext>
+            </a:extLst>
+          </p:cNvPr>
           <p:cNvSpPr txBox="1"/>
           <p:nvPr/>
         </p:nvSpPr>
         <p:spPr>
           <a:xfrm>
-            <a:off x="6984957" y="4267200"/>
-            <a:ext cx="1424846" cy="215444"/>
+            <a:off x="2837572" y="2587915"/>
+            <a:ext cx="981770" cy="138499"/>
           </a:xfrm>
           <a:prstGeom prst="rect">
             <a:avLst/>
@@ -4665,35 +4344,403 @@
             </a:lvl1pPr>
           </a:lstStyle>
           <a:p>
-            <a:r>
-              <a:rPr lang="en-US" dirty="0" err="1">
+            <a:pPr algn="ctr"/>
+            <a:r>
+              <a:rPr lang="en-US" sz="900" dirty="0"/>
+              <a:t>parse(“delete 1”)</a:t>
+            </a:r>
+          </a:p>
+        </p:txBody>
+      </p:sp>
+      <p:cxnSp>
+        <p:nvCxnSpPr>
+          <p:cNvPr id="28" name="Straight Arrow Connector 27">
+            <a:extLst>
+              <a:ext uri="{FF2B5EF4-FFF2-40B4-BE49-F238E27FC236}">
+                <a16:creationId xmlns:a16="http://schemas.microsoft.com/office/drawing/2014/main" id="{C21AD779-3A63-44C7-A3D2-FA597E60F5A8}"/>
+              </a:ext>
+            </a:extLst>
+          </p:cNvPr>
+          <p:cNvCxnSpPr>
+            <a:cxnSpLocks/>
+          </p:cNvCxnSpPr>
+          <p:nvPr/>
+        </p:nvCxnSpPr>
+        <p:spPr>
+          <a:xfrm>
+            <a:off x="2798214" y="2879858"/>
+            <a:ext cx="1021128" cy="0"/>
+          </a:xfrm>
+          <a:prstGeom prst="straightConnector1">
+            <a:avLst/>
+          </a:prstGeom>
+          <a:ln w="19050">
+            <a:solidFill>
+              <a:srgbClr val="0070C0"/>
+            </a:solidFill>
+            <a:tailEnd type="arrow"/>
+          </a:ln>
+        </p:spPr>
+        <p:style>
+          <a:lnRef idx="1">
+            <a:schemeClr val="accent1"/>
+          </a:lnRef>
+          <a:fillRef idx="0">
+            <a:schemeClr val="accent1"/>
+          </a:fillRef>
+          <a:effectRef idx="0">
+            <a:schemeClr val="accent1"/>
+          </a:effectRef>
+          <a:fontRef idx="minor">
+            <a:schemeClr val="tx1"/>
+          </a:fontRef>
+        </p:style>
+      </p:cxnSp>
+      <p:sp>
+        <p:nvSpPr>
+          <p:cNvPr id="30" name="Rectangle 29">
+            <a:extLst>
+              <a:ext uri="{FF2B5EF4-FFF2-40B4-BE49-F238E27FC236}">
+                <a16:creationId xmlns:a16="http://schemas.microsoft.com/office/drawing/2014/main" id="{43AC3A40-8D26-4A80-87CE-EA7C4BB1804E}"/>
+              </a:ext>
+            </a:extLst>
+          </p:cNvPr>
+          <p:cNvSpPr/>
+          <p:nvPr/>
+        </p:nvSpPr>
+        <p:spPr>
+          <a:xfrm>
+            <a:off x="3826805" y="2879102"/>
+            <a:ext cx="118445" cy="1384428"/>
+          </a:xfrm>
+          <a:prstGeom prst="rect">
+            <a:avLst/>
+          </a:prstGeom>
+          <a:solidFill>
+            <a:srgbClr val="0070C0"/>
+          </a:solidFill>
+          <a:ln>
+            <a:solidFill>
+              <a:srgbClr val="0070C0"/>
+            </a:solidFill>
+          </a:ln>
+          <a:effectLst/>
+        </p:spPr>
+        <p:style>
+          <a:lnRef idx="1">
+            <a:schemeClr val="accent3"/>
+          </a:lnRef>
+          <a:fillRef idx="2">
+            <a:schemeClr val="accent3"/>
+          </a:fillRef>
+          <a:effectRef idx="1">
+            <a:schemeClr val="accent3"/>
+          </a:effectRef>
+          <a:fontRef idx="minor">
+            <a:schemeClr val="dk1"/>
+          </a:fontRef>
+        </p:style>
+        <p:txBody>
+          <a:bodyPr rtlCol="0" anchor="ctr"/>
+          <a:lstStyle/>
+          <a:p>
+            <a:pPr algn="ctr"/>
+            <a:endParaRPr lang="en-SG" sz="1050"/>
+          </a:p>
+        </p:txBody>
+      </p:sp>
+      <p:sp>
+        <p:nvSpPr>
+          <p:cNvPr id="39" name="Rectangle 62">
+            <a:extLst>
+              <a:ext uri="{FF2B5EF4-FFF2-40B4-BE49-F238E27FC236}">
+                <a16:creationId xmlns:a16="http://schemas.microsoft.com/office/drawing/2014/main" id="{F391E72B-7B04-402C-A690-5907C645AA29}"/>
+              </a:ext>
+            </a:extLst>
+          </p:cNvPr>
+          <p:cNvSpPr/>
+          <p:nvPr/>
+        </p:nvSpPr>
+        <p:spPr>
+          <a:xfrm>
+            <a:off x="4466401" y="2832081"/>
+            <a:ext cx="1362422" cy="325648"/>
+          </a:xfrm>
+          <a:prstGeom prst="rect">
+            <a:avLst/>
+          </a:prstGeom>
+          <a:solidFill>
+            <a:srgbClr val="0070C0"/>
+          </a:solidFill>
+          <a:ln w="19050">
+            <a:solidFill>
+              <a:srgbClr val="0070C0"/>
+            </a:solidFill>
+          </a:ln>
+          <a:effectLst/>
+        </p:spPr>
+        <p:style>
+          <a:lnRef idx="1">
+            <a:schemeClr val="accent2"/>
+          </a:lnRef>
+          <a:fillRef idx="2">
+            <a:schemeClr val="accent2"/>
+          </a:fillRef>
+          <a:effectRef idx="1">
+            <a:schemeClr val="accent2"/>
+          </a:effectRef>
+          <a:fontRef idx="minor">
+            <a:schemeClr val="dk1"/>
+          </a:fontRef>
+        </p:style>
+        <p:txBody>
+          <a:bodyPr rtlCol="0" anchor="ctr"/>
+          <a:lstStyle/>
+          <a:p>
+            <a:pPr algn="ctr"/>
+            <a:r>
+              <a:rPr lang="en-US" sz="1200" dirty="0">
                 <a:solidFill>
-                  <a:srgbClr val="7030A0"/>
+                  <a:schemeClr val="bg1"/>
                 </a:solidFill>
               </a:rPr>
-              <a:t>deletePerson</a:t>
-            </a:r>
-            <a:r>
-              <a:rPr lang="en-US" dirty="0">
+              <a:t>:</a:t>
+            </a:r>
+            <a:r>
+              <a:rPr lang="en-US" sz="1200" dirty="0" err="1">
                 <a:solidFill>
-                  <a:srgbClr val="7030A0"/>
+                  <a:schemeClr val="bg1"/>
                 </a:solidFill>
               </a:rPr>
-              <a:t>(p)</a:t>
-            </a:r>
-          </a:p>
-        </p:txBody>
-      </p:sp>
-      <p:sp>
-        <p:nvSpPr>
-          <p:cNvPr id="79" name="TextBox 78"/>
+              <a:t>DeleteCommand</a:t>
+            </a:r>
+            <a:br>
+              <a:rPr lang="en-US" sz="1200" dirty="0">
+                <a:solidFill>
+                  <a:schemeClr val="bg1"/>
+                </a:solidFill>
+              </a:rPr>
+            </a:br>
+            <a:r>
+              <a:rPr lang="en-US" sz="1200" dirty="0" err="1">
+                <a:solidFill>
+                  <a:schemeClr val="bg1"/>
+                </a:solidFill>
+              </a:rPr>
+              <a:t>CommandParser</a:t>
+            </a:r>
+            <a:endParaRPr lang="en-SG" sz="1200" dirty="0">
+              <a:solidFill>
+                <a:schemeClr val="bg1"/>
+              </a:solidFill>
+            </a:endParaRPr>
+          </a:p>
+        </p:txBody>
+      </p:sp>
+      <p:cxnSp>
+        <p:nvCxnSpPr>
+          <p:cNvPr id="40" name="Straight Arrow Connector 39">
+            <a:extLst>
+              <a:ext uri="{FF2B5EF4-FFF2-40B4-BE49-F238E27FC236}">
+                <a16:creationId xmlns:a16="http://schemas.microsoft.com/office/drawing/2014/main" id="{107FEBE3-C986-450F-9221-30627DFB4A03}"/>
+              </a:ext>
+            </a:extLst>
+          </p:cNvPr>
+          <p:cNvCxnSpPr>
+            <a:cxnSpLocks/>
+          </p:cNvCxnSpPr>
+          <p:nvPr/>
+        </p:nvCxnSpPr>
+        <p:spPr>
+          <a:xfrm>
+            <a:off x="3942551" y="2990799"/>
+            <a:ext cx="517946" cy="1"/>
+          </a:xfrm>
+          <a:prstGeom prst="straightConnector1">
+            <a:avLst/>
+          </a:prstGeom>
+          <a:ln w="19050">
+            <a:solidFill>
+              <a:srgbClr val="0070C0"/>
+            </a:solidFill>
+            <a:tailEnd type="arrow"/>
+          </a:ln>
+        </p:spPr>
+        <p:style>
+          <a:lnRef idx="1">
+            <a:schemeClr val="accent1"/>
+          </a:lnRef>
+          <a:fillRef idx="0">
+            <a:schemeClr val="accent1"/>
+          </a:fillRef>
+          <a:effectRef idx="0">
+            <a:schemeClr val="accent1"/>
+          </a:effectRef>
+          <a:fontRef idx="minor">
+            <a:schemeClr val="tx1"/>
+          </a:fontRef>
+        </p:style>
+      </p:cxnSp>
+      <p:cxnSp>
+        <p:nvCxnSpPr>
+          <p:cNvPr id="42" name="Straight Connector 41">
+            <a:extLst>
+              <a:ext uri="{FF2B5EF4-FFF2-40B4-BE49-F238E27FC236}">
+                <a16:creationId xmlns:a16="http://schemas.microsoft.com/office/drawing/2014/main" id="{BBDCD544-A4E2-4531-9902-893765C0C819}"/>
+              </a:ext>
+            </a:extLst>
+          </p:cNvPr>
+          <p:cNvCxnSpPr>
+            <a:cxnSpLocks/>
+          </p:cNvCxnSpPr>
+          <p:nvPr/>
+        </p:nvCxnSpPr>
+        <p:spPr>
+          <a:xfrm>
+            <a:off x="5111110" y="3166124"/>
+            <a:ext cx="1" cy="1168257"/>
+          </a:xfrm>
+          <a:prstGeom prst="line">
+            <a:avLst/>
+          </a:prstGeom>
+          <a:ln w="19050">
+            <a:solidFill>
+              <a:srgbClr val="0070C0"/>
+            </a:solidFill>
+            <a:prstDash val="sysDash"/>
+          </a:ln>
+          <a:effectLst/>
+        </p:spPr>
+        <p:style>
+          <a:lnRef idx="1">
+            <a:schemeClr val="accent1"/>
+          </a:lnRef>
+          <a:fillRef idx="2">
+            <a:schemeClr val="accent1"/>
+          </a:fillRef>
+          <a:effectRef idx="1">
+            <a:schemeClr val="accent1"/>
+          </a:effectRef>
+          <a:fontRef idx="minor">
+            <a:schemeClr val="dk1"/>
+          </a:fontRef>
+        </p:style>
+      </p:cxnSp>
+      <p:sp>
+        <p:nvSpPr>
+          <p:cNvPr id="43" name="Rectangle 42">
+            <a:extLst>
+              <a:ext uri="{FF2B5EF4-FFF2-40B4-BE49-F238E27FC236}">
+                <a16:creationId xmlns:a16="http://schemas.microsoft.com/office/drawing/2014/main" id="{C990C0BF-84CC-4331-8E51-9E9A29D7C2E2}"/>
+              </a:ext>
+            </a:extLst>
+          </p:cNvPr>
+          <p:cNvSpPr/>
+          <p:nvPr/>
+        </p:nvSpPr>
+        <p:spPr>
+          <a:xfrm>
+            <a:off x="5053208" y="3162994"/>
+            <a:ext cx="108936" cy="116325"/>
+          </a:xfrm>
+          <a:prstGeom prst="rect">
+            <a:avLst/>
+          </a:prstGeom>
+          <a:solidFill>
+            <a:srgbClr val="0070C0"/>
+          </a:solidFill>
+          <a:ln>
+            <a:solidFill>
+              <a:srgbClr val="0070C0"/>
+            </a:solidFill>
+          </a:ln>
+          <a:effectLst/>
+        </p:spPr>
+        <p:style>
+          <a:lnRef idx="1">
+            <a:schemeClr val="accent3"/>
+          </a:lnRef>
+          <a:fillRef idx="2">
+            <a:schemeClr val="accent3"/>
+          </a:fillRef>
+          <a:effectRef idx="1">
+            <a:schemeClr val="accent3"/>
+          </a:effectRef>
+          <a:fontRef idx="minor">
+            <a:schemeClr val="dk1"/>
+          </a:fontRef>
+        </p:style>
+        <p:txBody>
+          <a:bodyPr rtlCol="0" anchor="ctr"/>
+          <a:lstStyle/>
+          <a:p>
+            <a:pPr algn="ctr"/>
+            <a:endParaRPr lang="en-SG" sz="1050"/>
+          </a:p>
+        </p:txBody>
+      </p:sp>
+      <p:cxnSp>
+        <p:nvCxnSpPr>
+          <p:cNvPr id="44" name="Straight Arrow Connector 43">
+            <a:extLst>
+              <a:ext uri="{FF2B5EF4-FFF2-40B4-BE49-F238E27FC236}">
+                <a16:creationId xmlns:a16="http://schemas.microsoft.com/office/drawing/2014/main" id="{5C6E1FD1-A8C4-46BF-AD11-081FE0DBC012}"/>
+              </a:ext>
+            </a:extLst>
+          </p:cNvPr>
+          <p:cNvCxnSpPr>
+            <a:cxnSpLocks/>
+          </p:cNvCxnSpPr>
+          <p:nvPr/>
+        </p:nvCxnSpPr>
+        <p:spPr>
+          <a:xfrm>
+            <a:off x="3947613" y="3279319"/>
+            <a:ext cx="1106924" cy="0"/>
+          </a:xfrm>
+          <a:prstGeom prst="straightConnector1">
+            <a:avLst/>
+          </a:prstGeom>
+          <a:ln w="19050">
+            <a:solidFill>
+              <a:srgbClr val="0070C0"/>
+            </a:solidFill>
+            <a:prstDash val="sysDash"/>
+            <a:headEnd type="arrow" w="med" len="med"/>
+            <a:tailEnd type="none" w="med" len="med"/>
+          </a:ln>
+        </p:spPr>
+        <p:style>
+          <a:lnRef idx="1">
+            <a:schemeClr val="accent1"/>
+          </a:lnRef>
+          <a:fillRef idx="0">
+            <a:schemeClr val="accent1"/>
+          </a:fillRef>
+          <a:effectRef idx="0">
+            <a:schemeClr val="accent1"/>
+          </a:effectRef>
+          <a:fontRef idx="minor">
+            <a:schemeClr val="tx1"/>
+          </a:fontRef>
+        </p:style>
+      </p:cxnSp>
+      <p:sp>
+        <p:nvSpPr>
+          <p:cNvPr id="47" name="TextBox 46">
+            <a:extLst>
+              <a:ext uri="{FF2B5EF4-FFF2-40B4-BE49-F238E27FC236}">
+                <a16:creationId xmlns:a16="http://schemas.microsoft.com/office/drawing/2014/main" id="{6EE85D60-A671-4080-970A-312C5098DADF}"/>
+              </a:ext>
+            </a:extLst>
+          </p:cNvPr>
           <p:cNvSpPr txBox="1"/>
           <p:nvPr/>
         </p:nvSpPr>
         <p:spPr>
           <a:xfrm>
-            <a:off x="3847551" y="3657600"/>
-            <a:ext cx="767033" cy="184666"/>
+            <a:off x="4171314" y="3485868"/>
+            <a:ext cx="903734" cy="138499"/>
           </a:xfrm>
           <a:prstGeom prst="rect">
             <a:avLst/>
@@ -4717,143 +4764,127 @@
             </a:lvl1pPr>
           </a:lstStyle>
           <a:p>
-            <a:r>
-              <a:rPr lang="en-US" sz="1200" dirty="0"/>
+            <a:pPr algn="l"/>
+            <a:r>
+              <a:rPr lang="en-US" sz="900" dirty="0"/>
               <a:t>parse(“1”)</a:t>
             </a:r>
           </a:p>
         </p:txBody>
       </p:sp>
-      <p:sp>
-        <p:nvSpPr>
-          <p:cNvPr id="80" name="TextBox 79"/>
-          <p:cNvSpPr txBox="1"/>
+      <p:cxnSp>
+        <p:nvCxnSpPr>
+          <p:cNvPr id="48" name="Straight Arrow Connector 47">
+            <a:extLst>
+              <a:ext uri="{FF2B5EF4-FFF2-40B4-BE49-F238E27FC236}">
+                <a16:creationId xmlns:a16="http://schemas.microsoft.com/office/drawing/2014/main" id="{04EE8313-5790-4966-B4CE-F257E5CEACB4}"/>
+              </a:ext>
+            </a:extLst>
+          </p:cNvPr>
+          <p:cNvCxnSpPr>
+            <a:cxnSpLocks/>
+          </p:cNvCxnSpPr>
           <p:nvPr/>
-        </p:nvSpPr>
-        <p:spPr>
-          <a:xfrm>
-            <a:off x="1742982" y="2850922"/>
-            <a:ext cx="1424846" cy="215444"/>
+        </p:nvCxnSpPr>
+        <p:spPr>
+          <a:xfrm>
+            <a:off x="3947829" y="3674837"/>
+            <a:ext cx="1112248" cy="0"/>
+          </a:xfrm>
+          <a:prstGeom prst="straightConnector1">
+            <a:avLst/>
+          </a:prstGeom>
+          <a:ln w="19050">
+            <a:solidFill>
+              <a:srgbClr val="0070C0"/>
+            </a:solidFill>
+            <a:tailEnd type="arrow"/>
+          </a:ln>
+        </p:spPr>
+        <p:style>
+          <a:lnRef idx="1">
+            <a:schemeClr val="accent1"/>
+          </a:lnRef>
+          <a:fillRef idx="0">
+            <a:schemeClr val="accent1"/>
+          </a:fillRef>
+          <a:effectRef idx="0">
+            <a:schemeClr val="accent1"/>
+          </a:effectRef>
+          <a:fontRef idx="minor">
+            <a:schemeClr val="tx1"/>
+          </a:fontRef>
+        </p:style>
+      </p:cxnSp>
+      <p:sp>
+        <p:nvSpPr>
+          <p:cNvPr id="50" name="Rectangle 49">
+            <a:extLst>
+              <a:ext uri="{FF2B5EF4-FFF2-40B4-BE49-F238E27FC236}">
+                <a16:creationId xmlns:a16="http://schemas.microsoft.com/office/drawing/2014/main" id="{1719FA4A-AC47-4E7C-8766-D81AE6299F7F}"/>
+              </a:ext>
+            </a:extLst>
+          </p:cNvPr>
+          <p:cNvSpPr/>
+          <p:nvPr/>
+        </p:nvSpPr>
+        <p:spPr>
+          <a:xfrm>
+            <a:off x="5053208" y="3647243"/>
+            <a:ext cx="108887" cy="457404"/>
           </a:xfrm>
           <a:prstGeom prst="rect">
             <a:avLst/>
           </a:prstGeom>
-          <a:noFill/>
-        </p:spPr>
-        <p:txBody>
-          <a:bodyPr wrap="square" lIns="0" tIns="0" rIns="0" bIns="0" rtlCol="0">
-            <a:spAutoFit/>
-          </a:bodyPr>
-          <a:lstStyle>
-            <a:defPPr>
-              <a:defRPr lang="en-US"/>
-            </a:defPPr>
-            <a:lvl1pPr algn="r">
-              <a:defRPr sz="1400">
-                <a:solidFill>
-                  <a:srgbClr val="0070C0"/>
-                </a:solidFill>
-              </a:defRPr>
-            </a:lvl1pPr>
-          </a:lstStyle>
-          <a:p>
-            <a:r>
-              <a:rPr lang="en-US" dirty="0"/>
-              <a:t>parse(“delete 1”)</a:t>
-            </a:r>
-          </a:p>
-        </p:txBody>
-      </p:sp>
-      <p:sp>
-        <p:nvSpPr>
-          <p:cNvPr id="82" name="TextBox 81"/>
-          <p:cNvSpPr txBox="1"/>
-          <p:nvPr/>
-        </p:nvSpPr>
-        <p:spPr>
-          <a:xfrm>
-            <a:off x="4340137" y="5255323"/>
-            <a:ext cx="621216" cy="215444"/>
-          </a:xfrm>
-          <a:prstGeom prst="rect">
-            <a:avLst/>
-          </a:prstGeom>
-          <a:noFill/>
-        </p:spPr>
-        <p:txBody>
-          <a:bodyPr wrap="square" lIns="0" tIns="0" rIns="0" bIns="0" rtlCol="0">
-            <a:spAutoFit/>
-          </a:bodyPr>
-          <a:lstStyle>
-            <a:defPPr>
-              <a:defRPr lang="en-US"/>
-            </a:defPPr>
-            <a:lvl1pPr algn="r">
-              <a:defRPr sz="1400">
-                <a:solidFill>
-                  <a:srgbClr val="0070C0"/>
-                </a:solidFill>
-              </a:defRPr>
-            </a:lvl1pPr>
-          </a:lstStyle>
-          <a:p>
-            <a:r>
-              <a:rPr lang="en-US" dirty="0"/>
-              <a:t>result</a:t>
-            </a:r>
-          </a:p>
-        </p:txBody>
-      </p:sp>
-      <p:sp>
-        <p:nvSpPr>
-          <p:cNvPr id="83" name="TextBox 82"/>
-          <p:cNvSpPr txBox="1"/>
-          <p:nvPr/>
-        </p:nvSpPr>
-        <p:spPr>
-          <a:xfrm>
-            <a:off x="599983" y="5538488"/>
-            <a:ext cx="762000" cy="215444"/>
-          </a:xfrm>
-          <a:prstGeom prst="rect">
-            <a:avLst/>
-          </a:prstGeom>
-          <a:noFill/>
-        </p:spPr>
-        <p:txBody>
-          <a:bodyPr wrap="square" lIns="0" tIns="0" rIns="0" bIns="0" rtlCol="0">
-            <a:spAutoFit/>
-          </a:bodyPr>
-          <a:lstStyle>
-            <a:defPPr>
-              <a:defRPr lang="en-US"/>
-            </a:defPPr>
-            <a:lvl1pPr algn="r">
-              <a:defRPr sz="1400">
-                <a:solidFill>
-                  <a:srgbClr val="0070C0"/>
-                </a:solidFill>
-              </a:defRPr>
-            </a:lvl1pPr>
-          </a:lstStyle>
-          <a:p>
-            <a:r>
-              <a:rPr lang="en-US" dirty="0"/>
-              <a:t>result</a:t>
-            </a:r>
-          </a:p>
-        </p:txBody>
-      </p:sp>
-      <p:sp>
-        <p:nvSpPr>
-          <p:cNvPr id="84" name="Rectangle 62"/>
+          <a:solidFill>
+            <a:srgbClr val="0070C0"/>
+          </a:solidFill>
+          <a:ln>
+            <a:solidFill>
+              <a:srgbClr val="0070C0"/>
+            </a:solidFill>
+          </a:ln>
+          <a:effectLst/>
+        </p:spPr>
+        <p:style>
+          <a:lnRef idx="1">
+            <a:schemeClr val="accent3"/>
+          </a:lnRef>
+          <a:fillRef idx="2">
+            <a:schemeClr val="accent3"/>
+          </a:fillRef>
+          <a:effectRef idx="1">
+            <a:schemeClr val="accent3"/>
+          </a:effectRef>
+          <a:fontRef idx="minor">
+            <a:schemeClr val="dk1"/>
+          </a:fontRef>
+        </p:style>
+        <p:txBody>
+          <a:bodyPr rtlCol="0" anchor="ctr"/>
+          <a:lstStyle/>
+          <a:p>
+            <a:pPr algn="ctr"/>
+            <a:endParaRPr lang="en-SG" sz="1050"/>
+          </a:p>
+        </p:txBody>
+      </p:sp>
+      <p:sp>
+        <p:nvSpPr>
+          <p:cNvPr id="57" name="Rectangle 62">
+            <a:extLst>
+              <a:ext uri="{FF2B5EF4-FFF2-40B4-BE49-F238E27FC236}">
+                <a16:creationId xmlns:a16="http://schemas.microsoft.com/office/drawing/2014/main" id="{8FF06BFF-9634-4DB1-BCAB-CA173B707C4E}"/>
+              </a:ext>
+            </a:extLst>
+          </p:cNvPr>
           <p:cNvSpPr/>
           <p:nvPr/>
         </p:nvSpPr>
         <p:spPr>
           <a:xfrm>
-            <a:off x="7020246" y="4777286"/>
-            <a:ext cx="1590354" cy="461538"/>
+            <a:off x="5646943" y="3534582"/>
+            <a:ext cx="860879" cy="325648"/>
           </a:xfrm>
           <a:prstGeom prst="rect">
             <a:avLst/>
@@ -4888,22 +4919,29 @@
           <a:p>
             <a:pPr algn="ctr"/>
             <a:r>
-              <a:rPr lang="en-US" sz="1600" dirty="0" err="1">
+              <a:rPr lang="en-US" sz="1200" dirty="0">
                 <a:solidFill>
                   <a:schemeClr val="bg1"/>
                 </a:solidFill>
               </a:rPr>
-              <a:t>result:Command</a:t>
-            </a:r>
-            <a:r>
-              <a:rPr lang="en-US" sz="1600" dirty="0">
+              <a:t>a:Delete</a:t>
+            </a:r>
+            <a:br>
+              <a:rPr lang="en-US" sz="1200" dirty="0">
                 <a:solidFill>
                   <a:schemeClr val="bg1"/>
                 </a:solidFill>
               </a:rPr>
-              <a:t> Result</a:t>
-            </a:r>
-            <a:endParaRPr lang="en-SG" sz="1600" dirty="0">
+            </a:br>
+            <a:r>
+              <a:rPr lang="en-US" sz="1200" dirty="0">
+                <a:solidFill>
+                  <a:schemeClr val="bg1"/>
+                </a:solidFill>
+              </a:rPr>
+              <a:t>Command</a:t>
+            </a:r>
+            <a:endParaRPr lang="en-SG" sz="1200" dirty="0">
               <a:solidFill>
                 <a:schemeClr val="bg1"/>
               </a:solidFill>
@@ -4911,16 +4949,67 @@
           </a:p>
         </p:txBody>
       </p:sp>
-      <p:sp>
-        <p:nvSpPr>
-          <p:cNvPr id="86" name="Rectangle 85"/>
+      <p:cxnSp>
+        <p:nvCxnSpPr>
+          <p:cNvPr id="59" name="Straight Connector 58">
+            <a:extLst>
+              <a:ext uri="{FF2B5EF4-FFF2-40B4-BE49-F238E27FC236}">
+                <a16:creationId xmlns:a16="http://schemas.microsoft.com/office/drawing/2014/main" id="{1641C159-EC71-4867-A41B-9AD7F2FACF27}"/>
+              </a:ext>
+            </a:extLst>
+          </p:cNvPr>
+          <p:cNvCxnSpPr>
+            <a:cxnSpLocks/>
+          </p:cNvCxnSpPr>
+          <p:nvPr/>
+        </p:nvCxnSpPr>
+        <p:spPr>
+          <a:xfrm>
+            <a:off x="6152091" y="3850267"/>
+            <a:ext cx="0" cy="2027306"/>
+          </a:xfrm>
+          <a:prstGeom prst="line">
+            <a:avLst/>
+          </a:prstGeom>
+          <a:ln w="19050">
+            <a:solidFill>
+              <a:srgbClr val="0070C0"/>
+            </a:solidFill>
+            <a:prstDash val="sysDash"/>
+          </a:ln>
+          <a:effectLst/>
+        </p:spPr>
+        <p:style>
+          <a:lnRef idx="1">
+            <a:schemeClr val="accent1"/>
+          </a:lnRef>
+          <a:fillRef idx="2">
+            <a:schemeClr val="accent1"/>
+          </a:fillRef>
+          <a:effectRef idx="1">
+            <a:schemeClr val="accent1"/>
+          </a:effectRef>
+          <a:fontRef idx="minor">
+            <a:schemeClr val="dk1"/>
+          </a:fontRef>
+        </p:style>
+      </p:cxnSp>
+      <p:sp>
+        <p:nvSpPr>
+          <p:cNvPr id="60" name="Rectangle 59">
+            <a:extLst>
+              <a:ext uri="{FF2B5EF4-FFF2-40B4-BE49-F238E27FC236}">
+                <a16:creationId xmlns:a16="http://schemas.microsoft.com/office/drawing/2014/main" id="{FB88297E-4144-47A4-9347-53564A5DD62C}"/>
+              </a:ext>
+            </a:extLst>
+          </p:cNvPr>
           <p:cNvSpPr/>
           <p:nvPr/>
         </p:nvSpPr>
         <p:spPr>
           <a:xfrm>
-            <a:off x="7777323" y="5238824"/>
-            <a:ext cx="152400" cy="171376"/>
+            <a:off x="6094190" y="3862377"/>
+            <a:ext cx="127335" cy="97661"/>
           </a:xfrm>
           <a:prstGeom prst="rect">
             <a:avLst/>
@@ -4954,20 +5043,72 @@
           <a:lstStyle/>
           <a:p>
             <a:pPr algn="ctr"/>
-            <a:endParaRPr lang="en-SG" sz="1400"/>
+            <a:endParaRPr lang="en-SG" sz="1050"/>
           </a:p>
         </p:txBody>
       </p:sp>
       <p:cxnSp>
         <p:nvCxnSpPr>
-          <p:cNvPr id="90" name="Straight Arrow Connector 89"/>
-          <p:cNvCxnSpPr/>
+          <p:cNvPr id="66" name="Straight Arrow Connector 65">
+            <a:extLst>
+              <a:ext uri="{FF2B5EF4-FFF2-40B4-BE49-F238E27FC236}">
+                <a16:creationId xmlns:a16="http://schemas.microsoft.com/office/drawing/2014/main" id="{8ABFBE77-CEC2-460B-A13A-678FDC27D83E}"/>
+              </a:ext>
+            </a:extLst>
+          </p:cNvPr>
+          <p:cNvCxnSpPr>
+            <a:cxnSpLocks/>
+          </p:cNvCxnSpPr>
           <p:nvPr/>
         </p:nvCxnSpPr>
         <p:spPr>
           <a:xfrm>
-            <a:off x="6858000" y="5410200"/>
-            <a:ext cx="966624" cy="0"/>
+            <a:off x="5168954" y="3703322"/>
+            <a:ext cx="481620" cy="1"/>
+          </a:xfrm>
+          <a:prstGeom prst="straightConnector1">
+            <a:avLst/>
+          </a:prstGeom>
+          <a:ln w="19050">
+            <a:solidFill>
+              <a:srgbClr val="0070C0"/>
+            </a:solidFill>
+            <a:tailEnd type="arrow"/>
+          </a:ln>
+        </p:spPr>
+        <p:style>
+          <a:lnRef idx="1">
+            <a:schemeClr val="accent1"/>
+          </a:lnRef>
+          <a:fillRef idx="0">
+            <a:schemeClr val="accent1"/>
+          </a:fillRef>
+          <a:effectRef idx="0">
+            <a:schemeClr val="accent1"/>
+          </a:effectRef>
+          <a:fontRef idx="minor">
+            <a:schemeClr val="tx1"/>
+          </a:fontRef>
+        </p:style>
+      </p:cxnSp>
+      <p:cxnSp>
+        <p:nvCxnSpPr>
+          <p:cNvPr id="69" name="Straight Arrow Connector 68">
+            <a:extLst>
+              <a:ext uri="{FF2B5EF4-FFF2-40B4-BE49-F238E27FC236}">
+                <a16:creationId xmlns:a16="http://schemas.microsoft.com/office/drawing/2014/main" id="{1E5B9B76-3A6F-42C7-97D9-5D863F8E26E9}"/>
+              </a:ext>
+            </a:extLst>
+          </p:cNvPr>
+          <p:cNvCxnSpPr>
+            <a:cxnSpLocks/>
+          </p:cNvCxnSpPr>
+          <p:nvPr/>
+        </p:nvCxnSpPr>
+        <p:spPr>
+          <a:xfrm>
+            <a:off x="5168954" y="3960038"/>
+            <a:ext cx="910268" cy="0"/>
           </a:xfrm>
           <a:prstGeom prst="straightConnector1">
             <a:avLst/>
@@ -4996,56 +5137,204 @@
           </a:fontRef>
         </p:style>
       </p:cxnSp>
-      <p:sp>
-        <p:nvSpPr>
-          <p:cNvPr id="93" name="TextBox 92"/>
-          <p:cNvSpPr txBox="1"/>
+      <p:cxnSp>
+        <p:nvCxnSpPr>
+          <p:cNvPr id="71" name="Straight Arrow Connector 70">
+            <a:extLst>
+              <a:ext uri="{FF2B5EF4-FFF2-40B4-BE49-F238E27FC236}">
+                <a16:creationId xmlns:a16="http://schemas.microsoft.com/office/drawing/2014/main" id="{CC7A7E33-C704-4F2A-9140-A1E467AEB2DC}"/>
+              </a:ext>
+            </a:extLst>
+          </p:cNvPr>
+          <p:cNvCxnSpPr>
+            <a:cxnSpLocks/>
+          </p:cNvCxnSpPr>
           <p:nvPr/>
-        </p:nvSpPr>
-        <p:spPr>
-          <a:xfrm>
-            <a:off x="2673845" y="4027787"/>
-            <a:ext cx="220343" cy="215444"/>
-          </a:xfrm>
-          <a:prstGeom prst="rect">
+        </p:nvCxnSpPr>
+        <p:spPr>
+          <a:xfrm>
+            <a:off x="3947613" y="4104647"/>
+            <a:ext cx="1119758" cy="0"/>
+          </a:xfrm>
+          <a:prstGeom prst="straightConnector1">
             <a:avLst/>
           </a:prstGeom>
-          <a:noFill/>
-        </p:spPr>
-        <p:txBody>
-          <a:bodyPr wrap="square" lIns="0" tIns="0" rIns="0" bIns="0" rtlCol="0">
-            <a:spAutoFit/>
-          </a:bodyPr>
-          <a:lstStyle>
-            <a:defPPr>
-              <a:defRPr lang="en-US"/>
-            </a:defPPr>
-            <a:lvl1pPr algn="r">
-              <a:defRPr sz="1400">
-                <a:solidFill>
-                  <a:srgbClr val="0070C0"/>
-                </a:solidFill>
-              </a:defRPr>
-            </a:lvl1pPr>
-          </a:lstStyle>
-          <a:p>
-            <a:r>
-              <a:rPr lang="en-US" dirty="0"/>
-              <a:t>d</a:t>
-            </a:r>
-          </a:p>
-        </p:txBody>
-      </p:sp>
-      <p:sp>
-        <p:nvSpPr>
-          <p:cNvPr id="40" name="Rectangle 62"/>
+          <a:ln w="19050">
+            <a:solidFill>
+              <a:srgbClr val="0070C0"/>
+            </a:solidFill>
+            <a:prstDash val="sysDash"/>
+            <a:headEnd type="arrow" w="med" len="med"/>
+            <a:tailEnd type="none" w="med" len="med"/>
+          </a:ln>
+        </p:spPr>
+        <p:style>
+          <a:lnRef idx="1">
+            <a:schemeClr val="accent1"/>
+          </a:lnRef>
+          <a:fillRef idx="0">
+            <a:schemeClr val="accent1"/>
+          </a:fillRef>
+          <a:effectRef idx="0">
+            <a:schemeClr val="accent1"/>
+          </a:effectRef>
+          <a:fontRef idx="minor">
+            <a:schemeClr val="tx1"/>
+          </a:fontRef>
+        </p:style>
+      </p:cxnSp>
+      <p:cxnSp>
+        <p:nvCxnSpPr>
+          <p:cNvPr id="75" name="Straight Arrow Connector 74">
+            <a:extLst>
+              <a:ext uri="{FF2B5EF4-FFF2-40B4-BE49-F238E27FC236}">
+                <a16:creationId xmlns:a16="http://schemas.microsoft.com/office/drawing/2014/main" id="{2EC16EED-F84B-4473-98CF-98188E06C8FE}"/>
+              </a:ext>
+            </a:extLst>
+          </p:cNvPr>
+          <p:cNvCxnSpPr>
+            <a:cxnSpLocks/>
+          </p:cNvCxnSpPr>
+          <p:nvPr/>
+        </p:nvCxnSpPr>
+        <p:spPr>
+          <a:xfrm>
+            <a:off x="2796179" y="4251578"/>
+            <a:ext cx="1050927" cy="0"/>
+          </a:xfrm>
+          <a:prstGeom prst="straightConnector1">
+            <a:avLst/>
+          </a:prstGeom>
+          <a:ln w="19050">
+            <a:solidFill>
+              <a:srgbClr val="0070C0"/>
+            </a:solidFill>
+            <a:prstDash val="sysDash"/>
+            <a:headEnd type="arrow" w="med" len="med"/>
+            <a:tailEnd type="none" w="med" len="med"/>
+          </a:ln>
+        </p:spPr>
+        <p:style>
+          <a:lnRef idx="1">
+            <a:schemeClr val="accent1"/>
+          </a:lnRef>
+          <a:fillRef idx="0">
+            <a:schemeClr val="accent1"/>
+          </a:fillRef>
+          <a:effectRef idx="0">
+            <a:schemeClr val="accent1"/>
+          </a:effectRef>
+          <a:fontRef idx="minor">
+            <a:schemeClr val="tx1"/>
+          </a:fontRef>
+        </p:style>
+      </p:cxnSp>
+      <p:cxnSp>
+        <p:nvCxnSpPr>
+          <p:cNvPr id="79" name="Straight Arrow Connector 78">
+            <a:extLst>
+              <a:ext uri="{FF2B5EF4-FFF2-40B4-BE49-F238E27FC236}">
+                <a16:creationId xmlns:a16="http://schemas.microsoft.com/office/drawing/2014/main" id="{6BC98D18-CA26-4E7D-B72D-E9EF0302FBE7}"/>
+              </a:ext>
+            </a:extLst>
+          </p:cNvPr>
+          <p:cNvCxnSpPr>
+            <a:cxnSpLocks/>
+          </p:cNvCxnSpPr>
+          <p:nvPr/>
+        </p:nvCxnSpPr>
+        <p:spPr>
+          <a:xfrm>
+            <a:off x="1591276" y="4341147"/>
+            <a:ext cx="1082439" cy="0"/>
+          </a:xfrm>
+          <a:prstGeom prst="straightConnector1">
+            <a:avLst/>
+          </a:prstGeom>
+          <a:ln w="19050">
+            <a:solidFill>
+              <a:srgbClr val="0070C0"/>
+            </a:solidFill>
+            <a:prstDash val="sysDash"/>
+            <a:headEnd type="arrow" w="med" len="med"/>
+            <a:tailEnd type="none" w="med" len="med"/>
+          </a:ln>
+        </p:spPr>
+        <p:style>
+          <a:lnRef idx="1">
+            <a:schemeClr val="accent1"/>
+          </a:lnRef>
+          <a:fillRef idx="0">
+            <a:schemeClr val="accent1"/>
+          </a:fillRef>
+          <a:effectRef idx="0">
+            <a:schemeClr val="accent1"/>
+          </a:effectRef>
+          <a:fontRef idx="minor">
+            <a:schemeClr val="tx1"/>
+          </a:fontRef>
+        </p:style>
+      </p:cxnSp>
+      <p:cxnSp>
+        <p:nvCxnSpPr>
+          <p:cNvPr id="81" name="Straight Arrow Connector 80">
+            <a:extLst>
+              <a:ext uri="{FF2B5EF4-FFF2-40B4-BE49-F238E27FC236}">
+                <a16:creationId xmlns:a16="http://schemas.microsoft.com/office/drawing/2014/main" id="{8430B619-4BD8-49B2-88D6-C0382537A1F7}"/>
+              </a:ext>
+            </a:extLst>
+          </p:cNvPr>
+          <p:cNvCxnSpPr>
+            <a:cxnSpLocks/>
+          </p:cNvCxnSpPr>
+          <p:nvPr/>
+        </p:nvCxnSpPr>
+        <p:spPr>
+          <a:xfrm>
+            <a:off x="1590524" y="4609493"/>
+            <a:ext cx="4504860" cy="0"/>
+          </a:xfrm>
+          <a:prstGeom prst="straightConnector1">
+            <a:avLst/>
+          </a:prstGeom>
+          <a:ln w="19050">
+            <a:solidFill>
+              <a:srgbClr val="0070C0"/>
+            </a:solidFill>
+            <a:tailEnd type="arrow"/>
+          </a:ln>
+        </p:spPr>
+        <p:style>
+          <a:lnRef idx="1">
+            <a:schemeClr val="accent1"/>
+          </a:lnRef>
+          <a:fillRef idx="0">
+            <a:schemeClr val="accent1"/>
+          </a:fillRef>
+          <a:effectRef idx="0">
+            <a:schemeClr val="accent1"/>
+          </a:effectRef>
+          <a:fontRef idx="minor">
+            <a:schemeClr val="tx1"/>
+          </a:fontRef>
+        </p:style>
+      </p:cxnSp>
+      <p:sp>
+        <p:nvSpPr>
+          <p:cNvPr id="83" name="Rectangle 82">
+            <a:extLst>
+              <a:ext uri="{FF2B5EF4-FFF2-40B4-BE49-F238E27FC236}">
+                <a16:creationId xmlns:a16="http://schemas.microsoft.com/office/drawing/2014/main" id="{382F5E12-6C94-40E3-9491-37C1F86E3826}"/>
+              </a:ext>
+            </a:extLst>
+          </p:cNvPr>
           <p:cNvSpPr/>
           <p:nvPr/>
         </p:nvSpPr>
         <p:spPr>
           <a:xfrm>
-            <a:off x="4231981" y="2929839"/>
-            <a:ext cx="1778201" cy="432035"/>
+            <a:off x="6093007" y="4597666"/>
+            <a:ext cx="131297" cy="1219826"/>
           </a:xfrm>
           <a:prstGeom prst="rect">
             <a:avLst/>
@@ -5053,10 +5342,106 @@
           <a:solidFill>
             <a:srgbClr val="0070C0"/>
           </a:solidFill>
-          <a:ln w="19050">
+          <a:ln>
             <a:solidFill>
               <a:srgbClr val="0070C0"/>
             </a:solidFill>
+          </a:ln>
+          <a:effectLst/>
+        </p:spPr>
+        <p:style>
+          <a:lnRef idx="1">
+            <a:schemeClr val="accent3"/>
+          </a:lnRef>
+          <a:fillRef idx="2">
+            <a:schemeClr val="accent3"/>
+          </a:fillRef>
+          <a:effectRef idx="1">
+            <a:schemeClr val="accent3"/>
+          </a:effectRef>
+          <a:fontRef idx="minor">
+            <a:schemeClr val="dk1"/>
+          </a:fontRef>
+        </p:style>
+        <p:txBody>
+          <a:bodyPr rtlCol="0" anchor="ctr"/>
+          <a:lstStyle/>
+          <a:p>
+            <a:pPr algn="ctr"/>
+            <a:endParaRPr lang="en-SG" sz="1050"/>
+          </a:p>
+        </p:txBody>
+      </p:sp>
+      <p:sp>
+        <p:nvSpPr>
+          <p:cNvPr id="87" name="TextBox 86">
+            <a:extLst>
+              <a:ext uri="{FF2B5EF4-FFF2-40B4-BE49-F238E27FC236}">
+                <a16:creationId xmlns:a16="http://schemas.microsoft.com/office/drawing/2014/main" id="{57EE0D07-0DFB-4A92-9B03-757525AD9EB2}"/>
+              </a:ext>
+            </a:extLst>
+          </p:cNvPr>
+          <p:cNvSpPr txBox="1"/>
+          <p:nvPr/>
+        </p:nvSpPr>
+        <p:spPr>
+          <a:xfrm>
+            <a:off x="3466193" y="4412286"/>
+            <a:ext cx="1758300" cy="138499"/>
+          </a:xfrm>
+          <a:prstGeom prst="rect">
+            <a:avLst/>
+          </a:prstGeom>
+          <a:noFill/>
+        </p:spPr>
+        <p:txBody>
+          <a:bodyPr wrap="square" lIns="0" tIns="0" rIns="0" bIns="0" rtlCol="0">
+            <a:spAutoFit/>
+          </a:bodyPr>
+          <a:lstStyle/>
+          <a:p>
+            <a:pPr algn="ctr"/>
+            <a:r>
+              <a:rPr lang="en-US" sz="900" dirty="0">
+                <a:solidFill>
+                  <a:srgbClr val="0070C0"/>
+                </a:solidFill>
+              </a:rPr>
+              <a:t>execute()</a:t>
+            </a:r>
+          </a:p>
+        </p:txBody>
+      </p:sp>
+      <p:sp>
+        <p:nvSpPr>
+          <p:cNvPr id="45" name="Rectangle 65">
+            <a:extLst>
+              <a:ext uri="{FF2B5EF4-FFF2-40B4-BE49-F238E27FC236}">
+                <a16:creationId xmlns:a16="http://schemas.microsoft.com/office/drawing/2014/main" id="{69225ED5-C91D-4FAB-B60A-A2563433086A}"/>
+              </a:ext>
+            </a:extLst>
+          </p:cNvPr>
+          <p:cNvSpPr/>
+          <p:nvPr/>
+        </p:nvSpPr>
+        <p:spPr>
+          <a:xfrm>
+            <a:off x="8010472" y="1105623"/>
+            <a:ext cx="1080197" cy="4857916"/>
+          </a:xfrm>
+          <a:prstGeom prst="roundRect">
+            <a:avLst>
+              <a:gd name="adj" fmla="val 3484"/>
+            </a:avLst>
+          </a:prstGeom>
+          <a:solidFill>
+            <a:schemeClr val="accent3">
+              <a:lumMod val="20000"/>
+              <a:lumOff val="80000"/>
+            </a:schemeClr>
+          </a:solidFill>
+          <a:ln w="19050">
+            <a:noFill/>
           </a:ln>
           <a:effectLst/>
         </p:spPr>
@@ -5075,67 +5460,172 @@
           </a:fontRef>
         </p:style>
         <p:txBody>
-          <a:bodyPr rtlCol="0" anchor="ctr"/>
-          <a:lstStyle/>
-          <a:p>
-            <a:pPr algn="ctr"/>
-            <a:r>
-              <a:rPr lang="en-US" sz="1600" dirty="0">
+          <a:bodyPr rtlCol="0" anchor="t"/>
+          <a:lstStyle/>
+          <a:p>
+            <a:r>
+              <a:rPr lang="en-US" sz="900" b="1" dirty="0">
                 <a:solidFill>
-                  <a:schemeClr val="bg1"/>
+                  <a:srgbClr val="7030A0"/>
                 </a:solidFill>
               </a:rPr>
-              <a:t>:</a:t>
-            </a:r>
-            <a:r>
-              <a:rPr lang="en-US" sz="1600" dirty="0" err="1">
+              <a:t>Model</a:t>
+            </a:r>
+            <a:endParaRPr lang="en-SG" sz="900" b="1" dirty="0">
+              <a:solidFill>
+                <a:srgbClr val="7030A0"/>
+              </a:solidFill>
+            </a:endParaRPr>
+          </a:p>
+        </p:txBody>
+      </p:sp>
+      <p:sp>
+        <p:nvSpPr>
+          <p:cNvPr id="49" name="TextBox 48">
+            <a:extLst>
+              <a:ext uri="{FF2B5EF4-FFF2-40B4-BE49-F238E27FC236}">
+                <a16:creationId xmlns:a16="http://schemas.microsoft.com/office/drawing/2014/main" id="{DBFB9AD8-1C9B-4160-967D-D194CA0C5DAA}"/>
+              </a:ext>
+            </a:extLst>
+          </p:cNvPr>
+          <p:cNvSpPr txBox="1"/>
+          <p:nvPr/>
+        </p:nvSpPr>
+        <p:spPr>
+          <a:xfrm>
+            <a:off x="4046909" y="3946573"/>
+            <a:ext cx="941106" cy="138499"/>
+          </a:xfrm>
+          <a:prstGeom prst="rect">
+            <a:avLst/>
+          </a:prstGeom>
+          <a:noFill/>
+        </p:spPr>
+        <p:txBody>
+          <a:bodyPr wrap="square" lIns="0" tIns="0" rIns="0" bIns="0" rtlCol="0">
+            <a:spAutoFit/>
+          </a:bodyPr>
+          <a:lstStyle/>
+          <a:p>
+            <a:pPr algn="ctr"/>
+            <a:r>
+              <a:rPr lang="en-US" sz="900" dirty="0">
                 <a:solidFill>
-                  <a:schemeClr val="bg1"/>
+                  <a:srgbClr val="0070C0"/>
                 </a:solidFill>
               </a:rPr>
-              <a:t>DeleteCommand</a:t>
-            </a:r>
-            <a:endParaRPr lang="en-US" sz="1600" dirty="0">
-              <a:solidFill>
-                <a:schemeClr val="bg1"/>
-              </a:solidFill>
-            </a:endParaRPr>
-          </a:p>
+              <a:t>a</a:t>
+            </a:r>
+          </a:p>
+        </p:txBody>
+      </p:sp>
+      <p:sp>
+        <p:nvSpPr>
+          <p:cNvPr id="51" name="TextBox 50">
+            <a:extLst>
+              <a:ext uri="{FF2B5EF4-FFF2-40B4-BE49-F238E27FC236}">
+                <a16:creationId xmlns:a16="http://schemas.microsoft.com/office/drawing/2014/main" id="{82812E3B-E61B-4255-9AAD-F15A57A3E879}"/>
+              </a:ext>
+            </a:extLst>
+          </p:cNvPr>
+          <p:cNvSpPr txBox="1"/>
+          <p:nvPr/>
+        </p:nvSpPr>
+        <p:spPr>
+          <a:xfrm>
+            <a:off x="2856158" y="4062420"/>
+            <a:ext cx="941106" cy="138499"/>
+          </a:xfrm>
+          <a:prstGeom prst="rect">
+            <a:avLst/>
+          </a:prstGeom>
+          <a:noFill/>
+        </p:spPr>
+        <p:txBody>
+          <a:bodyPr wrap="square" lIns="0" tIns="0" rIns="0" bIns="0" rtlCol="0">
+            <a:spAutoFit/>
+          </a:bodyPr>
+          <a:lstStyle/>
           <a:p>
             <a:pPr algn="ctr"/>
             <a:r>
-              <a:rPr lang="en-US" sz="1600" dirty="0">
+              <a:rPr lang="en-US" sz="900" dirty="0">
                 <a:solidFill>
-                  <a:schemeClr val="bg1"/>
+                  <a:srgbClr val="0070C0"/>
                 </a:solidFill>
               </a:rPr>
-              <a:t>Parser</a:t>
-            </a:r>
-            <a:endParaRPr lang="en-SG" sz="1600" dirty="0">
-              <a:solidFill>
-                <a:schemeClr val="bg1"/>
-              </a:solidFill>
-            </a:endParaRPr>
+              <a:t>a</a:t>
+            </a:r>
+          </a:p>
+        </p:txBody>
+      </p:sp>
+      <p:sp>
+        <p:nvSpPr>
+          <p:cNvPr id="52" name="TextBox 51">
+            <a:extLst>
+              <a:ext uri="{FF2B5EF4-FFF2-40B4-BE49-F238E27FC236}">
+                <a16:creationId xmlns:a16="http://schemas.microsoft.com/office/drawing/2014/main" id="{74407D6A-BA53-4E63-B1CB-3C8F29AFDC77}"/>
+              </a:ext>
+            </a:extLst>
+          </p:cNvPr>
+          <p:cNvSpPr txBox="1"/>
+          <p:nvPr/>
+        </p:nvSpPr>
+        <p:spPr>
+          <a:xfrm>
+            <a:off x="1655490" y="4184922"/>
+            <a:ext cx="941106" cy="138499"/>
+          </a:xfrm>
+          <a:prstGeom prst="rect">
+            <a:avLst/>
+          </a:prstGeom>
+          <a:noFill/>
+        </p:spPr>
+        <p:txBody>
+          <a:bodyPr wrap="square" lIns="0" tIns="0" rIns="0" bIns="0" rtlCol="0">
+            <a:spAutoFit/>
+          </a:bodyPr>
+          <a:lstStyle/>
+          <a:p>
+            <a:pPr algn="ctr"/>
+            <a:r>
+              <a:rPr lang="en-US" sz="900" dirty="0">
+                <a:solidFill>
+                  <a:srgbClr val="0070C0"/>
+                </a:solidFill>
+              </a:rPr>
+              <a:t>a</a:t>
+            </a:r>
           </a:p>
         </p:txBody>
       </p:sp>
       <p:cxnSp>
         <p:nvCxnSpPr>
-          <p:cNvPr id="8" name="Straight Arrow Connector 7"/>
-          <p:cNvCxnSpPr/>
+          <p:cNvPr id="53" name="Straight Arrow Connector 52">
+            <a:extLst>
+              <a:ext uri="{FF2B5EF4-FFF2-40B4-BE49-F238E27FC236}">
+                <a16:creationId xmlns:a16="http://schemas.microsoft.com/office/drawing/2014/main" id="{F858D263-02D8-4A13-AA1D-2F147D7C13B8}"/>
+              </a:ext>
+            </a:extLst>
+          </p:cNvPr>
+          <p:cNvCxnSpPr>
+            <a:cxnSpLocks/>
+          </p:cNvCxnSpPr>
           <p:nvPr/>
         </p:nvCxnSpPr>
         <p:spPr>
           <a:xfrm>
-            <a:off x="3462591" y="3657600"/>
-            <a:ext cx="1597356" cy="1"/>
+            <a:off x="6210295" y="4696780"/>
+            <a:ext cx="2340276" cy="0"/>
           </a:xfrm>
           <a:prstGeom prst="straightConnector1">
             <a:avLst/>
           </a:prstGeom>
           <a:ln w="19050">
-            <a:headEnd type="none" w="med" len="med"/>
-            <a:tailEnd type="arrow" w="med" len="med"/>
+            <a:solidFill>
+              <a:srgbClr val="0070C0"/>
+            </a:solidFill>
+            <a:tailEnd type="arrow"/>
           </a:ln>
         </p:spPr>
         <p:style>
@@ -5155,24 +5645,140 @@
       </p:cxnSp>
       <p:sp>
         <p:nvSpPr>
-          <p:cNvPr id="45" name="Rectangle 44"/>
+          <p:cNvPr id="54" name="Rectangle 62">
+            <a:extLst>
+              <a:ext uri="{FF2B5EF4-FFF2-40B4-BE49-F238E27FC236}">
+                <a16:creationId xmlns:a16="http://schemas.microsoft.com/office/drawing/2014/main" id="{F078304E-9226-40CA-A1BD-6FA13D307124}"/>
+              </a:ext>
+            </a:extLst>
+          </p:cNvPr>
           <p:cNvSpPr/>
           <p:nvPr/>
         </p:nvSpPr>
         <p:spPr>
           <a:xfrm>
-            <a:off x="5059947" y="3352800"/>
-            <a:ext cx="205843" cy="123165"/>
+            <a:off x="8187511" y="3750252"/>
+            <a:ext cx="781916" cy="325364"/>
           </a:xfrm>
           <a:prstGeom prst="rect">
             <a:avLst/>
           </a:prstGeom>
           <a:solidFill>
-            <a:srgbClr val="0070C0"/>
+            <a:srgbClr val="7030A0"/>
+          </a:solidFill>
+          <a:ln w="19050">
+            <a:solidFill>
+              <a:srgbClr val="7030A0"/>
+            </a:solidFill>
+          </a:ln>
+          <a:effectLst/>
+        </p:spPr>
+        <p:style>
+          <a:lnRef idx="1">
+            <a:schemeClr val="accent2"/>
+          </a:lnRef>
+          <a:fillRef idx="2">
+            <a:schemeClr val="accent2"/>
+          </a:fillRef>
+          <a:effectRef idx="1">
+            <a:schemeClr val="accent2"/>
+          </a:effectRef>
+          <a:fontRef idx="minor">
+            <a:schemeClr val="dk1"/>
+          </a:fontRef>
+        </p:style>
+        <p:txBody>
+          <a:bodyPr rtlCol="0" anchor="ctr"/>
+          <a:lstStyle/>
+          <a:p>
+            <a:pPr algn="ctr"/>
+            <a:r>
+              <a:rPr lang="en-US" sz="1200" dirty="0">
+                <a:solidFill>
+                  <a:schemeClr val="bg1"/>
+                </a:solidFill>
+              </a:rPr>
+              <a:t>: Model</a:t>
+            </a:r>
+            <a:endParaRPr lang="en-SG" sz="1200" dirty="0">
+              <a:solidFill>
+                <a:schemeClr val="bg1"/>
+              </a:solidFill>
+            </a:endParaRPr>
+          </a:p>
+        </p:txBody>
+      </p:sp>
+      <p:cxnSp>
+        <p:nvCxnSpPr>
+          <p:cNvPr id="55" name="Straight Connector 54">
+            <a:extLst>
+              <a:ext uri="{FF2B5EF4-FFF2-40B4-BE49-F238E27FC236}">
+                <a16:creationId xmlns:a16="http://schemas.microsoft.com/office/drawing/2014/main" id="{53D98FC4-86B5-4544-B934-33152A93248A}"/>
+              </a:ext>
+            </a:extLst>
+          </p:cNvPr>
+          <p:cNvCxnSpPr>
+            <a:cxnSpLocks/>
+          </p:cNvCxnSpPr>
+          <p:nvPr/>
+        </p:nvCxnSpPr>
+        <p:spPr>
+          <a:xfrm flipH="1">
+            <a:off x="8601915" y="4085783"/>
+            <a:ext cx="1" cy="1393412"/>
+          </a:xfrm>
+          <a:prstGeom prst="line">
+            <a:avLst/>
+          </a:prstGeom>
+          <a:ln w="19050">
+            <a:solidFill>
+              <a:srgbClr val="7030A0"/>
+            </a:solidFill>
+            <a:prstDash val="sysDash"/>
+          </a:ln>
+          <a:effectLst/>
+        </p:spPr>
+        <p:style>
+          <a:lnRef idx="1">
+            <a:schemeClr val="accent1"/>
+          </a:lnRef>
+          <a:fillRef idx="2">
+            <a:schemeClr val="accent1"/>
+          </a:fillRef>
+          <a:effectRef idx="1">
+            <a:schemeClr val="accent1"/>
+          </a:effectRef>
+          <a:fontRef idx="minor">
+            <a:schemeClr val="dk1"/>
+          </a:fontRef>
+        </p:style>
+      </p:cxnSp>
+      <p:sp>
+        <p:nvSpPr>
+          <p:cNvPr id="56" name="Rectangle 55">
+            <a:extLst>
+              <a:ext uri="{FF2B5EF4-FFF2-40B4-BE49-F238E27FC236}">
+                <a16:creationId xmlns:a16="http://schemas.microsoft.com/office/drawing/2014/main" id="{2E186A27-8F0F-4C4E-BC4D-0CA253827BF1}"/>
+              </a:ext>
+            </a:extLst>
+          </p:cNvPr>
+          <p:cNvSpPr/>
+          <p:nvPr/>
+        </p:nvSpPr>
+        <p:spPr>
+          <a:xfrm>
+            <a:off x="8540634" y="4685188"/>
+            <a:ext cx="125652" cy="192203"/>
+          </a:xfrm>
+          <a:prstGeom prst="rect">
+            <a:avLst/>
+          </a:prstGeom>
+          <a:solidFill>
+            <a:srgbClr val="7030A0"/>
           </a:solidFill>
           <a:ln>
             <a:solidFill>
-              <a:srgbClr val="0070C0"/>
+              <a:srgbClr val="7030A0"/>
             </a:solidFill>
           </a:ln>
           <a:effectLst/>
@@ -5196,22 +5802,232 @@
           <a:lstStyle/>
           <a:p>
             <a:pPr algn="ctr"/>
-            <a:endParaRPr lang="en-SG" sz="1400"/>
+            <a:endParaRPr lang="en-SG" sz="1050"/>
+          </a:p>
+        </p:txBody>
+      </p:sp>
+      <p:sp>
+        <p:nvSpPr>
+          <p:cNvPr id="58" name="TextBox 57">
+            <a:extLst>
+              <a:ext uri="{FF2B5EF4-FFF2-40B4-BE49-F238E27FC236}">
+                <a16:creationId xmlns:a16="http://schemas.microsoft.com/office/drawing/2014/main" id="{D40499D2-604D-4C61-A857-D5F44735D598}"/>
+              </a:ext>
+            </a:extLst>
+          </p:cNvPr>
+          <p:cNvSpPr txBox="1"/>
+          <p:nvPr/>
+        </p:nvSpPr>
+        <p:spPr>
+          <a:xfrm>
+            <a:off x="6467550" y="4498882"/>
+            <a:ext cx="1758300" cy="138499"/>
+          </a:xfrm>
+          <a:prstGeom prst="rect">
+            <a:avLst/>
+          </a:prstGeom>
+          <a:noFill/>
+        </p:spPr>
+        <p:txBody>
+          <a:bodyPr wrap="square" lIns="0" tIns="0" rIns="0" bIns="0" rtlCol="0">
+            <a:spAutoFit/>
+          </a:bodyPr>
+          <a:lstStyle/>
+          <a:p>
+            <a:pPr algn="ctr"/>
+            <a:r>
+              <a:rPr lang="en-US" sz="900" dirty="0" err="1">
+                <a:solidFill>
+                  <a:srgbClr val="0070C0"/>
+                </a:solidFill>
+              </a:rPr>
+              <a:t>deleteOrder</a:t>
+            </a:r>
+            <a:r>
+              <a:rPr lang="en-US" sz="900" dirty="0">
+                <a:solidFill>
+                  <a:srgbClr val="0070C0"/>
+                </a:solidFill>
+              </a:rPr>
+              <a:t>(order)</a:t>
+            </a:r>
           </a:p>
         </p:txBody>
       </p:sp>
       <p:cxnSp>
         <p:nvCxnSpPr>
-          <p:cNvPr id="46" name="Straight Connector 45"/>
+          <p:cNvPr id="61" name="Straight Arrow Connector 60">
+            <a:extLst>
+              <a:ext uri="{FF2B5EF4-FFF2-40B4-BE49-F238E27FC236}">
+                <a16:creationId xmlns:a16="http://schemas.microsoft.com/office/drawing/2014/main" id="{09107A37-B1D7-4CD6-888B-E5CCCBA5523B}"/>
+              </a:ext>
+            </a:extLst>
+          </p:cNvPr>
           <p:cNvCxnSpPr>
-            <a:stCxn id="45" idx="0"/>
+            <a:cxnSpLocks/>
           </p:cNvCxnSpPr>
           <p:nvPr/>
         </p:nvCxnSpPr>
         <p:spPr>
           <a:xfrm>
-            <a:off x="5162869" y="3352800"/>
-            <a:ext cx="0" cy="990600"/>
+            <a:off x="6208799" y="4870826"/>
+            <a:ext cx="2347709" cy="0"/>
+          </a:xfrm>
+          <a:prstGeom prst="straightConnector1">
+            <a:avLst/>
+          </a:prstGeom>
+          <a:ln w="19050">
+            <a:solidFill>
+              <a:srgbClr val="0070C0"/>
+            </a:solidFill>
+            <a:prstDash val="sysDash"/>
+            <a:headEnd type="arrow" w="med" len="med"/>
+            <a:tailEnd type="none" w="med" len="med"/>
+          </a:ln>
+        </p:spPr>
+        <p:style>
+          <a:lnRef idx="1">
+            <a:schemeClr val="accent1"/>
+          </a:lnRef>
+          <a:fillRef idx="0">
+            <a:schemeClr val="accent1"/>
+          </a:fillRef>
+          <a:effectRef idx="0">
+            <a:schemeClr val="accent1"/>
+          </a:effectRef>
+          <a:fontRef idx="minor">
+            <a:schemeClr val="tx1"/>
+          </a:fontRef>
+        </p:style>
+      </p:cxnSp>
+      <p:sp>
+        <p:nvSpPr>
+          <p:cNvPr id="62" name="Rectangle 62">
+            <a:extLst>
+              <a:ext uri="{FF2B5EF4-FFF2-40B4-BE49-F238E27FC236}">
+                <a16:creationId xmlns:a16="http://schemas.microsoft.com/office/drawing/2014/main" id="{3C2AEC05-743E-4568-AF59-E29D2B1DFD0C}"/>
+              </a:ext>
+            </a:extLst>
+          </p:cNvPr>
+          <p:cNvSpPr/>
+          <p:nvPr/>
+        </p:nvSpPr>
+        <p:spPr>
+          <a:xfrm>
+            <a:off x="6520794" y="5299261"/>
+            <a:ext cx="825906" cy="325648"/>
+          </a:xfrm>
+          <a:prstGeom prst="rect">
+            <a:avLst/>
+          </a:prstGeom>
+          <a:solidFill>
+            <a:srgbClr val="0070C0"/>
+          </a:solidFill>
+          <a:ln w="19050">
+            <a:solidFill>
+              <a:srgbClr val="0070C0"/>
+            </a:solidFill>
+          </a:ln>
+          <a:effectLst/>
+        </p:spPr>
+        <p:style>
+          <a:lnRef idx="1">
+            <a:schemeClr val="accent2"/>
+          </a:lnRef>
+          <a:fillRef idx="2">
+            <a:schemeClr val="accent2"/>
+          </a:fillRef>
+          <a:effectRef idx="1">
+            <a:schemeClr val="accent2"/>
+          </a:effectRef>
+          <a:fontRef idx="minor">
+            <a:schemeClr val="dk1"/>
+          </a:fontRef>
+        </p:style>
+        <p:txBody>
+          <a:bodyPr rtlCol="0" anchor="ctr"/>
+          <a:lstStyle/>
+          <a:p>
+            <a:pPr algn="ctr"/>
+            <a:r>
+              <a:rPr lang="en-US" sz="1200" dirty="0">
+                <a:solidFill>
+                  <a:schemeClr val="bg1"/>
+                </a:solidFill>
+              </a:rPr>
+              <a:t>r:CommandResult</a:t>
+            </a:r>
+            <a:endParaRPr lang="en-SG" sz="1200" dirty="0">
+              <a:solidFill>
+                <a:schemeClr val="bg1"/>
+              </a:solidFill>
+            </a:endParaRPr>
+          </a:p>
+        </p:txBody>
+      </p:sp>
+      <p:cxnSp>
+        <p:nvCxnSpPr>
+          <p:cNvPr id="63" name="Straight Arrow Connector 62">
+            <a:extLst>
+              <a:ext uri="{FF2B5EF4-FFF2-40B4-BE49-F238E27FC236}">
+                <a16:creationId xmlns:a16="http://schemas.microsoft.com/office/drawing/2014/main" id="{4213CE37-EF39-400A-A912-E971811A7710}"/>
+              </a:ext>
+            </a:extLst>
+          </p:cNvPr>
+          <p:cNvCxnSpPr>
+            <a:cxnSpLocks/>
+            <a:endCxn id="62" idx="1"/>
+          </p:cNvCxnSpPr>
+          <p:nvPr/>
+        </p:nvCxnSpPr>
+        <p:spPr>
+          <a:xfrm>
+            <a:off x="6218559" y="5459409"/>
+            <a:ext cx="302235" cy="2677"/>
+          </a:xfrm>
+          <a:prstGeom prst="straightConnector1">
+            <a:avLst/>
+          </a:prstGeom>
+          <a:ln w="19050">
+            <a:solidFill>
+              <a:srgbClr val="0070C0"/>
+            </a:solidFill>
+            <a:tailEnd type="arrow"/>
+          </a:ln>
+        </p:spPr>
+        <p:style>
+          <a:lnRef idx="1">
+            <a:schemeClr val="accent1"/>
+          </a:lnRef>
+          <a:fillRef idx="0">
+            <a:schemeClr val="accent1"/>
+          </a:fillRef>
+          <a:effectRef idx="0">
+            <a:schemeClr val="accent1"/>
+          </a:effectRef>
+          <a:fontRef idx="minor">
+            <a:schemeClr val="tx1"/>
+          </a:fontRef>
+        </p:style>
+      </p:cxnSp>
+      <p:cxnSp>
+        <p:nvCxnSpPr>
+          <p:cNvPr id="67" name="Straight Connector 66">
+            <a:extLst>
+              <a:ext uri="{FF2B5EF4-FFF2-40B4-BE49-F238E27FC236}">
+                <a16:creationId xmlns:a16="http://schemas.microsoft.com/office/drawing/2014/main" id="{E47F5CC1-DB62-43A6-81D7-14E48295C12A}"/>
+              </a:ext>
+            </a:extLst>
+          </p:cNvPr>
+          <p:cNvCxnSpPr>
+            <a:cxnSpLocks/>
+          </p:cNvCxnSpPr>
+          <p:nvPr/>
+        </p:nvCxnSpPr>
+        <p:spPr>
+          <a:xfrm>
+            <a:off x="6985829" y="5612628"/>
+            <a:ext cx="0" cy="210221"/>
           </a:xfrm>
           <a:prstGeom prst="line">
             <a:avLst/>
@@ -5241,14 +6057,20 @@
       </p:cxnSp>
       <p:sp>
         <p:nvSpPr>
-          <p:cNvPr id="49" name="Rectangle 48"/>
+          <p:cNvPr id="68" name="Rectangle 67">
+            <a:extLst>
+              <a:ext uri="{FF2B5EF4-FFF2-40B4-BE49-F238E27FC236}">
+                <a16:creationId xmlns:a16="http://schemas.microsoft.com/office/drawing/2014/main" id="{55747C30-A786-4DE6-B8A4-36A68572D29F}"/>
+              </a:ext>
+            </a:extLst>
+          </p:cNvPr>
           <p:cNvSpPr/>
           <p:nvPr/>
         </p:nvSpPr>
         <p:spPr>
           <a:xfrm>
-            <a:off x="5059947" y="3657601"/>
-            <a:ext cx="205843" cy="533400"/>
+            <a:off x="6927928" y="5624739"/>
+            <a:ext cx="108936" cy="116325"/>
           </a:xfrm>
           <a:prstGeom prst="rect">
             <a:avLst/>
@@ -5282,20 +6104,28 @@
           <a:lstStyle/>
           <a:p>
             <a:pPr algn="ctr"/>
-            <a:endParaRPr lang="en-SG" sz="1400"/>
+            <a:endParaRPr lang="en-SG" sz="1050"/>
           </a:p>
         </p:txBody>
       </p:sp>
       <p:cxnSp>
         <p:nvCxnSpPr>
-          <p:cNvPr id="51" name="Straight Arrow Connector 50"/>
-          <p:cNvCxnSpPr/>
+          <p:cNvPr id="70" name="Straight Arrow Connector 69">
+            <a:extLst>
+              <a:ext uri="{FF2B5EF4-FFF2-40B4-BE49-F238E27FC236}">
+                <a16:creationId xmlns:a16="http://schemas.microsoft.com/office/drawing/2014/main" id="{8016CDDC-F307-4BAA-927E-12981503D645}"/>
+              </a:ext>
+            </a:extLst>
+          </p:cNvPr>
+          <p:cNvCxnSpPr>
+            <a:cxnSpLocks/>
+          </p:cNvCxnSpPr>
           <p:nvPr/>
         </p:nvCxnSpPr>
         <p:spPr>
           <a:xfrm>
-            <a:off x="3499382" y="4185073"/>
-            <a:ext cx="1667219" cy="0"/>
+            <a:off x="6218559" y="5748936"/>
+            <a:ext cx="706808" cy="0"/>
           </a:xfrm>
           <a:prstGeom prst="straightConnector1">
             <a:avLst/>
@@ -5326,84 +6156,22 @@
       </p:cxnSp>
       <p:cxnSp>
         <p:nvCxnSpPr>
-          <p:cNvPr id="13" name="Straight Arrow Connector 12"/>
-          <p:cNvCxnSpPr/>
+          <p:cNvPr id="73" name="Straight Arrow Connector 72">
+            <a:extLst>
+              <a:ext uri="{FF2B5EF4-FFF2-40B4-BE49-F238E27FC236}">
+                <a16:creationId xmlns:a16="http://schemas.microsoft.com/office/drawing/2014/main" id="{9F581882-3C12-4991-B0A1-A34BAEF2EECB}"/>
+              </a:ext>
+            </a:extLst>
+          </p:cNvPr>
+          <p:cNvCxnSpPr>
+            <a:cxnSpLocks/>
+          </p:cNvCxnSpPr>
           <p:nvPr/>
         </p:nvCxnSpPr>
         <p:spPr>
-          <a:xfrm>
-            <a:off x="6858000" y="5029200"/>
-            <a:ext cx="162246" cy="0"/>
-          </a:xfrm>
-          <a:prstGeom prst="straightConnector1">
-            <a:avLst/>
-          </a:prstGeom>
-          <a:ln w="19050">
-            <a:headEnd type="none" w="med" len="med"/>
-            <a:tailEnd type="arrow" w="med" len="med"/>
-          </a:ln>
-        </p:spPr>
-        <p:style>
-          <a:lnRef idx="1">
-            <a:schemeClr val="accent1"/>
-          </a:lnRef>
-          <a:fillRef idx="0">
-            <a:schemeClr val="accent1"/>
-          </a:fillRef>
-          <a:effectRef idx="0">
-            <a:schemeClr val="accent1"/>
-          </a:effectRef>
-          <a:fontRef idx="minor">
-            <a:schemeClr val="tx1"/>
-          </a:fontRef>
-        </p:style>
-      </p:cxnSp>
-      <p:cxnSp>
-        <p:nvCxnSpPr>
-          <p:cNvPr id="50" name="Straight Arrow Connector 49"/>
-          <p:cNvCxnSpPr/>
-          <p:nvPr/>
-        </p:nvCxnSpPr>
-        <p:spPr>
-          <a:xfrm>
-            <a:off x="3412425" y="3173004"/>
-            <a:ext cx="819556" cy="1"/>
-          </a:xfrm>
-          <a:prstGeom prst="straightConnector1">
-            <a:avLst/>
-          </a:prstGeom>
-          <a:ln w="19050">
-            <a:solidFill>
-              <a:srgbClr val="0070C0"/>
-            </a:solidFill>
-            <a:tailEnd type="arrow"/>
-          </a:ln>
-        </p:spPr>
-        <p:style>
-          <a:lnRef idx="1">
-            <a:schemeClr val="accent1"/>
-          </a:lnRef>
-          <a:fillRef idx="0">
-            <a:schemeClr val="accent1"/>
-          </a:fillRef>
-          <a:effectRef idx="0">
-            <a:schemeClr val="accent1"/>
-          </a:effectRef>
-          <a:fontRef idx="minor">
-            <a:schemeClr val="tx1"/>
-          </a:fontRef>
-        </p:style>
-      </p:cxnSp>
-      <p:cxnSp>
-        <p:nvCxnSpPr>
-          <p:cNvPr id="52" name="Straight Arrow Connector 51"/>
-          <p:cNvCxnSpPr/>
-          <p:nvPr/>
-        </p:nvCxnSpPr>
-        <p:spPr>
-          <a:xfrm>
-            <a:off x="3459519" y="3475965"/>
-            <a:ext cx="1600428" cy="0"/>
+          <a:xfrm flipV="1">
+            <a:off x="1590524" y="5817492"/>
+            <a:ext cx="4502484" cy="5353"/>
           </a:xfrm>
           <a:prstGeom prst="straightConnector1">
             <a:avLst/>
@@ -5434,14 +6202,20 @@
       </p:cxnSp>
       <p:sp>
         <p:nvSpPr>
-          <p:cNvPr id="4" name="TextBox 3"/>
+          <p:cNvPr id="82" name="TextBox 81">
+            <a:extLst>
+              <a:ext uri="{FF2B5EF4-FFF2-40B4-BE49-F238E27FC236}">
+                <a16:creationId xmlns:a16="http://schemas.microsoft.com/office/drawing/2014/main" id="{9799E675-82B2-4822-A2CF-5EEE551DF33F}"/>
+              </a:ext>
+            </a:extLst>
+          </p:cNvPr>
           <p:cNvSpPr txBox="1"/>
           <p:nvPr/>
         </p:nvSpPr>
         <p:spPr>
           <a:xfrm>
-            <a:off x="5033665" y="4199590"/>
-            <a:ext cx="258404" cy="261610"/>
+            <a:off x="3797264" y="5626257"/>
+            <a:ext cx="941106" cy="138499"/>
           </a:xfrm>
           <a:prstGeom prst="rect">
             <a:avLst/>
@@ -5449,18 +6223,296 @@
           <a:noFill/>
         </p:spPr>
         <p:txBody>
-          <a:bodyPr wrap="none" rtlCol="0">
+          <a:bodyPr wrap="square" lIns="0" tIns="0" rIns="0" bIns="0" rtlCol="0">
             <a:spAutoFit/>
           </a:bodyPr>
           <a:lstStyle/>
           <a:p>
-            <a:r>
-              <a:rPr lang="en-SG" sz="1100" dirty="0">
+            <a:pPr algn="ctr"/>
+            <a:r>
+              <a:rPr lang="en-US" sz="900" dirty="0">
                 <a:solidFill>
-                  <a:srgbClr val="002060"/>
+                  <a:srgbClr val="0070C0"/>
                 </a:solidFill>
               </a:rPr>
-              <a:t>X</a:t>
+              <a:t>r</a:t>
+            </a:r>
+          </a:p>
+        </p:txBody>
+      </p:sp>
+      <p:sp>
+        <p:nvSpPr>
+          <p:cNvPr id="84" name="TextBox 83">
+            <a:extLst>
+              <a:ext uri="{FF2B5EF4-FFF2-40B4-BE49-F238E27FC236}">
+                <a16:creationId xmlns:a16="http://schemas.microsoft.com/office/drawing/2014/main" id="{14E0E43A-4CD2-4360-B717-F0EA1E101ED6}"/>
+              </a:ext>
+            </a:extLst>
+          </p:cNvPr>
+          <p:cNvSpPr txBox="1"/>
+          <p:nvPr/>
+        </p:nvSpPr>
+        <p:spPr>
+          <a:xfrm>
+            <a:off x="651540" y="5703008"/>
+            <a:ext cx="941106" cy="138499"/>
+          </a:xfrm>
+          <a:prstGeom prst="rect">
+            <a:avLst/>
+          </a:prstGeom>
+          <a:noFill/>
+        </p:spPr>
+        <p:txBody>
+          <a:bodyPr wrap="square" lIns="0" tIns="0" rIns="0" bIns="0" rtlCol="0">
+            <a:spAutoFit/>
+          </a:bodyPr>
+          <a:lstStyle/>
+          <a:p>
+            <a:pPr algn="ctr"/>
+            <a:r>
+              <a:rPr lang="en-US" sz="900" dirty="0">
+                <a:solidFill>
+                  <a:srgbClr val="0070C0"/>
+                </a:solidFill>
+              </a:rPr>
+              <a:t>r</a:t>
+            </a:r>
+          </a:p>
+        </p:txBody>
+      </p:sp>
+      <p:cxnSp>
+        <p:nvCxnSpPr>
+          <p:cNvPr id="85" name="Straight Arrow Connector 84">
+            <a:extLst>
+              <a:ext uri="{FF2B5EF4-FFF2-40B4-BE49-F238E27FC236}">
+                <a16:creationId xmlns:a16="http://schemas.microsoft.com/office/drawing/2014/main" id="{1DF15AE5-F1BB-485B-9242-A7674E162A44}"/>
+              </a:ext>
+            </a:extLst>
+          </p:cNvPr>
+          <p:cNvCxnSpPr>
+            <a:cxnSpLocks/>
+          </p:cNvCxnSpPr>
+          <p:nvPr/>
+        </p:nvCxnSpPr>
+        <p:spPr>
+          <a:xfrm>
+            <a:off x="674582" y="5877564"/>
+            <a:ext cx="806760" cy="1"/>
+          </a:xfrm>
+          <a:prstGeom prst="straightConnector1">
+            <a:avLst/>
+          </a:prstGeom>
+          <a:ln w="19050">
+            <a:solidFill>
+              <a:srgbClr val="0070C0"/>
+            </a:solidFill>
+            <a:prstDash val="sysDash"/>
+            <a:headEnd type="arrow" w="med" len="med"/>
+            <a:tailEnd type="none" w="med" len="med"/>
+          </a:ln>
+        </p:spPr>
+        <p:style>
+          <a:lnRef idx="1">
+            <a:schemeClr val="accent1"/>
+          </a:lnRef>
+          <a:fillRef idx="0">
+            <a:schemeClr val="accent1"/>
+          </a:fillRef>
+          <a:effectRef idx="0">
+            <a:schemeClr val="accent1"/>
+          </a:effectRef>
+          <a:fontRef idx="minor">
+            <a:schemeClr val="tx1"/>
+          </a:fontRef>
+        </p:style>
+      </p:cxnSp>
+      <p:cxnSp>
+        <p:nvCxnSpPr>
+          <p:cNvPr id="64" name="Straight Arrow Connector 63">
+            <a:extLst>
+              <a:ext uri="{FF2B5EF4-FFF2-40B4-BE49-F238E27FC236}">
+                <a16:creationId xmlns:a16="http://schemas.microsoft.com/office/drawing/2014/main" id="{F214AC8A-D18C-429E-9924-79E57D474B62}"/>
+              </a:ext>
+            </a:extLst>
+          </p:cNvPr>
+          <p:cNvCxnSpPr>
+            <a:cxnSpLocks/>
+          </p:cNvCxnSpPr>
+          <p:nvPr/>
+        </p:nvCxnSpPr>
+        <p:spPr>
+          <a:xfrm>
+            <a:off x="6218559" y="5057435"/>
+            <a:ext cx="2340276" cy="0"/>
+          </a:xfrm>
+          <a:prstGeom prst="straightConnector1">
+            <a:avLst/>
+          </a:prstGeom>
+          <a:ln w="19050">
+            <a:solidFill>
+              <a:srgbClr val="0070C0"/>
+            </a:solidFill>
+            <a:tailEnd type="arrow"/>
+          </a:ln>
+        </p:spPr>
+        <p:style>
+          <a:lnRef idx="1">
+            <a:schemeClr val="accent1"/>
+          </a:lnRef>
+          <a:fillRef idx="0">
+            <a:schemeClr val="accent1"/>
+          </a:fillRef>
+          <a:effectRef idx="0">
+            <a:schemeClr val="accent1"/>
+          </a:effectRef>
+          <a:fontRef idx="minor">
+            <a:schemeClr val="tx1"/>
+          </a:fontRef>
+        </p:style>
+      </p:cxnSp>
+      <p:sp>
+        <p:nvSpPr>
+          <p:cNvPr id="65" name="Rectangle 64">
+            <a:extLst>
+              <a:ext uri="{FF2B5EF4-FFF2-40B4-BE49-F238E27FC236}">
+                <a16:creationId xmlns:a16="http://schemas.microsoft.com/office/drawing/2014/main" id="{F84C20C8-F98F-4490-9426-16E40F566961}"/>
+              </a:ext>
+            </a:extLst>
+          </p:cNvPr>
+          <p:cNvSpPr/>
+          <p:nvPr/>
+        </p:nvSpPr>
+        <p:spPr>
+          <a:xfrm>
+            <a:off x="8540634" y="5031121"/>
+            <a:ext cx="125652" cy="135380"/>
+          </a:xfrm>
+          <a:prstGeom prst="rect">
+            <a:avLst/>
+          </a:prstGeom>
+          <a:solidFill>
+            <a:srgbClr val="7030A0"/>
+          </a:solidFill>
+          <a:ln>
+            <a:solidFill>
+              <a:srgbClr val="7030A0"/>
+            </a:solidFill>
+          </a:ln>
+          <a:effectLst/>
+        </p:spPr>
+        <p:style>
+          <a:lnRef idx="1">
+            <a:schemeClr val="accent3"/>
+          </a:lnRef>
+          <a:fillRef idx="2">
+            <a:schemeClr val="accent3"/>
+          </a:fillRef>
+          <a:effectRef idx="1">
+            <a:schemeClr val="accent3"/>
+          </a:effectRef>
+          <a:fontRef idx="minor">
+            <a:schemeClr val="dk1"/>
+          </a:fontRef>
+        </p:style>
+        <p:txBody>
+          <a:bodyPr rtlCol="0" anchor="ctr"/>
+          <a:lstStyle/>
+          <a:p>
+            <a:pPr algn="ctr"/>
+            <a:endParaRPr lang="en-SG" sz="1050"/>
+          </a:p>
+        </p:txBody>
+      </p:sp>
+      <p:cxnSp>
+        <p:nvCxnSpPr>
+          <p:cNvPr id="72" name="Straight Arrow Connector 71">
+            <a:extLst>
+              <a:ext uri="{FF2B5EF4-FFF2-40B4-BE49-F238E27FC236}">
+                <a16:creationId xmlns:a16="http://schemas.microsoft.com/office/drawing/2014/main" id="{3BAE6FFA-39E9-437A-A847-E92DD6661782}"/>
+              </a:ext>
+            </a:extLst>
+          </p:cNvPr>
+          <p:cNvCxnSpPr>
+            <a:cxnSpLocks/>
+          </p:cNvCxnSpPr>
+          <p:nvPr/>
+        </p:nvCxnSpPr>
+        <p:spPr>
+          <a:xfrm>
+            <a:off x="6224304" y="5166501"/>
+            <a:ext cx="2316330" cy="0"/>
+          </a:xfrm>
+          <a:prstGeom prst="straightConnector1">
+            <a:avLst/>
+          </a:prstGeom>
+          <a:ln w="19050">
+            <a:solidFill>
+              <a:srgbClr val="0070C0"/>
+            </a:solidFill>
+            <a:prstDash val="sysDash"/>
+            <a:headEnd type="arrow" w="med" len="med"/>
+            <a:tailEnd type="none" w="med" len="med"/>
+          </a:ln>
+        </p:spPr>
+        <p:style>
+          <a:lnRef idx="1">
+            <a:schemeClr val="accent1"/>
+          </a:lnRef>
+          <a:fillRef idx="0">
+            <a:schemeClr val="accent1"/>
+          </a:fillRef>
+          <a:effectRef idx="0">
+            <a:schemeClr val="accent1"/>
+          </a:effectRef>
+          <a:fontRef idx="minor">
+            <a:schemeClr val="tx1"/>
+          </a:fontRef>
+        </p:style>
+      </p:cxnSp>
+      <p:sp>
+        <p:nvSpPr>
+          <p:cNvPr id="74" name="TextBox 73">
+            <a:extLst>
+              <a:ext uri="{FF2B5EF4-FFF2-40B4-BE49-F238E27FC236}">
+                <a16:creationId xmlns:a16="http://schemas.microsoft.com/office/drawing/2014/main" id="{EB2D1BF9-E14C-401A-B2CF-E70C2818EA95}"/>
+              </a:ext>
+            </a:extLst>
+          </p:cNvPr>
+          <p:cNvSpPr txBox="1"/>
+          <p:nvPr/>
+        </p:nvSpPr>
+        <p:spPr>
+          <a:xfrm>
+            <a:off x="6476059" y="4890526"/>
+            <a:ext cx="1758300" cy="138499"/>
+          </a:xfrm>
+          <a:prstGeom prst="rect">
+            <a:avLst/>
+          </a:prstGeom>
+          <a:noFill/>
+        </p:spPr>
+        <p:txBody>
+          <a:bodyPr wrap="square" lIns="0" tIns="0" rIns="0" bIns="0" rtlCol="0">
+            <a:spAutoFit/>
+          </a:bodyPr>
+          <a:lstStyle/>
+          <a:p>
+            <a:pPr algn="ctr"/>
+            <a:r>
+              <a:rPr lang="en-US" sz="900" dirty="0" err="1">
+                <a:solidFill>
+                  <a:srgbClr val="0070C0"/>
+                </a:solidFill>
+              </a:rPr>
+              <a:t>commitOrderBook</a:t>
+            </a:r>
+            <a:r>
+              <a:rPr lang="en-US" sz="900" dirty="0">
+                <a:solidFill>
+                  <a:srgbClr val="0070C0"/>
+                </a:solidFill>
+              </a:rPr>
+              <a:t>()</a:t>
             </a:r>
           </a:p>
         </p:txBody>
@@ -5468,7 +6520,7 @@
     </p:spTree>
     <p:extLst>
       <p:ext uri="{BB962C8B-B14F-4D97-AF65-F5344CB8AC3E}">
-        <p14:creationId xmlns:p14="http://schemas.microsoft.com/office/powerpoint/2010/main" val="3945898909"/>
+        <p14:creationId xmlns:p14="http://schemas.microsoft.com/office/powerpoint/2010/main" val="120575923"/>
       </p:ext>
     </p:extLst>
   </p:cSld>
